--- a/Presentation.pptx
+++ b/Presentation.pptx
@@ -891,7 +891,7 @@
 <dgm:dataModel xmlns:dgm="http://schemas.openxmlformats.org/drawingml/2006/diagram" xmlns:a="http://schemas.openxmlformats.org/drawingml/2006/main">
   <dgm:ptLst>
     <dgm:pt modelId="{6D34731E-DF9E-49E1-BB2C-DA9B73CDB7E0}" type="doc">
-      <dgm:prSet loTypeId="urn:microsoft.com/office/officeart/2009/3/layout/StepUpProcess" loCatId="process" qsTypeId="urn:microsoft.com/office/officeart/2005/8/quickstyle/3d4" qsCatId="3D" csTypeId="urn:microsoft.com/office/officeart/2005/8/colors/accent1_2" csCatId="accent1" phldr="1"/>
+      <dgm:prSet loTypeId="urn:microsoft.com/office/officeart/2005/8/layout/hProcess9" loCatId="process" qsTypeId="urn:microsoft.com/office/officeart/2005/8/quickstyle/3d3" qsCatId="3D" csTypeId="urn:microsoft.com/office/officeart/2005/8/colors/accent1_2" csCatId="accent1" phldr="1"/>
       <dgm:spPr/>
     </dgm:pt>
     <dgm:pt modelId="{6C6C5895-632E-4F8C-BC62-D58E2B132FC6}">
@@ -1005,90 +1005,50 @@
         </a:p>
       </dgm:t>
     </dgm:pt>
-    <dgm:pt modelId="{35AE562F-AFD7-46C2-AE80-2534149C2D0F}" type="pres">
-      <dgm:prSet presAssocID="{6D34731E-DF9E-49E1-BB2C-DA9B73CDB7E0}" presName="rootnode" presStyleCnt="0">
+    <dgm:pt modelId="{FC24AF88-AC5C-4BB7-8C4B-7ACA8B8EA739}" type="pres">
+      <dgm:prSet presAssocID="{6D34731E-DF9E-49E1-BB2C-DA9B73CDB7E0}" presName="CompostProcess" presStyleCnt="0">
         <dgm:presLayoutVars>
-          <dgm:chMax/>
-          <dgm:chPref/>
           <dgm:dir/>
-          <dgm:animLvl val="lvl"/>
+          <dgm:resizeHandles val="exact"/>
         </dgm:presLayoutVars>
       </dgm:prSet>
       <dgm:spPr/>
     </dgm:pt>
-    <dgm:pt modelId="{9ED71150-F931-4B85-9905-0B2CCFCB7310}" type="pres">
-      <dgm:prSet presAssocID="{6C6C5895-632E-4F8C-BC62-D58E2B132FC6}" presName="composite" presStyleCnt="0"/>
+    <dgm:pt modelId="{0116710D-D23B-4DD5-9418-DBE683749873}" type="pres">
+      <dgm:prSet presAssocID="{6D34731E-DF9E-49E1-BB2C-DA9B73CDB7E0}" presName="arrow" presStyleLbl="bgShp" presStyleIdx="0" presStyleCnt="1"/>
       <dgm:spPr/>
     </dgm:pt>
-    <dgm:pt modelId="{8239FB5F-F20B-4B98-BA89-6096CD9EAC3F}" type="pres">
-      <dgm:prSet presAssocID="{6C6C5895-632E-4F8C-BC62-D58E2B132FC6}" presName="LShape" presStyleLbl="alignNode1" presStyleIdx="0" presStyleCnt="5"/>
+    <dgm:pt modelId="{D7073654-50C6-4A54-B55C-A7ADB25A9A13}" type="pres">
+      <dgm:prSet presAssocID="{6D34731E-DF9E-49E1-BB2C-DA9B73CDB7E0}" presName="linearProcess" presStyleCnt="0"/>
       <dgm:spPr/>
     </dgm:pt>
-    <dgm:pt modelId="{18F45B32-8E25-4E07-BC49-9E919D2F09BA}" type="pres">
-      <dgm:prSet presAssocID="{6C6C5895-632E-4F8C-BC62-D58E2B132FC6}" presName="ParentText" presStyleLbl="revTx" presStyleIdx="0" presStyleCnt="3">
+    <dgm:pt modelId="{7D3E3642-091F-4BAC-B4B9-92C073C3833C}" type="pres">
+      <dgm:prSet presAssocID="{6C6C5895-632E-4F8C-BC62-D58E2B132FC6}" presName="textNode" presStyleLbl="node1" presStyleIdx="0" presStyleCnt="3">
         <dgm:presLayoutVars>
-          <dgm:chMax val="0"/>
-          <dgm:chPref val="0"/>
           <dgm:bulletEnabled val="1"/>
         </dgm:presLayoutVars>
       </dgm:prSet>
       <dgm:spPr/>
     </dgm:pt>
-    <dgm:pt modelId="{D4F411BB-8EAD-4D1F-8046-88BB249F05AE}" type="pres">
-      <dgm:prSet presAssocID="{6C6C5895-632E-4F8C-BC62-D58E2B132FC6}" presName="Triangle" presStyleLbl="alignNode1" presStyleIdx="1" presStyleCnt="5"/>
-      <dgm:spPr/>
-    </dgm:pt>
-    <dgm:pt modelId="{C2B20716-564C-4264-8EC2-32384653EF5E}" type="pres">
+    <dgm:pt modelId="{0FD5B9DA-EFC5-40B2-9D30-E066FC56AFB1}" type="pres">
       <dgm:prSet presAssocID="{DB493C5C-379D-494F-9434-673C13CABEE7}" presName="sibTrans" presStyleCnt="0"/>
       <dgm:spPr/>
     </dgm:pt>
-    <dgm:pt modelId="{9E02000D-0F9C-4871-8275-D1EA095FF486}" type="pres">
-      <dgm:prSet presAssocID="{DB493C5C-379D-494F-9434-673C13CABEE7}" presName="space" presStyleCnt="0"/>
-      <dgm:spPr/>
-    </dgm:pt>
-    <dgm:pt modelId="{9217C77C-FEE8-402D-A35F-503616C89EF8}" type="pres">
-      <dgm:prSet presAssocID="{E502E539-2E64-4478-AF72-115F8B06342A}" presName="composite" presStyleCnt="0"/>
-      <dgm:spPr/>
-    </dgm:pt>
-    <dgm:pt modelId="{11A896B1-BE72-4397-8487-28665A3AD212}" type="pres">
-      <dgm:prSet presAssocID="{E502E539-2E64-4478-AF72-115F8B06342A}" presName="LShape" presStyleLbl="alignNode1" presStyleIdx="2" presStyleCnt="5"/>
-      <dgm:spPr/>
-    </dgm:pt>
-    <dgm:pt modelId="{57985B16-9A4A-41E4-80D9-2E6031C2030B}" type="pres">
-      <dgm:prSet presAssocID="{E502E539-2E64-4478-AF72-115F8B06342A}" presName="ParentText" presStyleLbl="revTx" presStyleIdx="1" presStyleCnt="3">
+    <dgm:pt modelId="{551FF8E1-07DB-40BA-8BDA-6F43279B66AF}" type="pres">
+      <dgm:prSet presAssocID="{E502E539-2E64-4478-AF72-115F8B06342A}" presName="textNode" presStyleLbl="node1" presStyleIdx="1" presStyleCnt="3">
         <dgm:presLayoutVars>
-          <dgm:chMax val="0"/>
-          <dgm:chPref val="0"/>
           <dgm:bulletEnabled val="1"/>
         </dgm:presLayoutVars>
       </dgm:prSet>
       <dgm:spPr/>
     </dgm:pt>
-    <dgm:pt modelId="{2A08877B-2A34-4A8D-88DF-DD4993E0086B}" type="pres">
-      <dgm:prSet presAssocID="{E502E539-2E64-4478-AF72-115F8B06342A}" presName="Triangle" presStyleLbl="alignNode1" presStyleIdx="3" presStyleCnt="5"/>
-      <dgm:spPr/>
-    </dgm:pt>
-    <dgm:pt modelId="{42F37884-0D5F-4CC4-BD7E-6AA9AB41BCE6}" type="pres">
+    <dgm:pt modelId="{F36B988B-9AB7-4A6B-9A67-AD416417CD25}" type="pres">
       <dgm:prSet presAssocID="{3D9F9707-3FA4-4912-B322-A22404278A9C}" presName="sibTrans" presStyleCnt="0"/>
       <dgm:spPr/>
     </dgm:pt>
-    <dgm:pt modelId="{5F7F51F2-4D7E-4622-A4B5-A5BC0E64F930}" type="pres">
-      <dgm:prSet presAssocID="{3D9F9707-3FA4-4912-B322-A22404278A9C}" presName="space" presStyleCnt="0"/>
-      <dgm:spPr/>
-    </dgm:pt>
-    <dgm:pt modelId="{FB6FB353-7752-4DFA-9E6D-59093500898A}" type="pres">
-      <dgm:prSet presAssocID="{6DE163EA-C3EF-4762-B584-C403D0555F05}" presName="composite" presStyleCnt="0"/>
-      <dgm:spPr/>
-    </dgm:pt>
-    <dgm:pt modelId="{6A0AB417-98A1-4FBF-8501-CCEEF8B16AB0}" type="pres">
-      <dgm:prSet presAssocID="{6DE163EA-C3EF-4762-B584-C403D0555F05}" presName="LShape" presStyleLbl="alignNode1" presStyleIdx="4" presStyleCnt="5"/>
-      <dgm:spPr/>
-    </dgm:pt>
-    <dgm:pt modelId="{7D7A06AD-23F3-4563-9B1A-A309E50F26E9}" type="pres">
-      <dgm:prSet presAssocID="{6DE163EA-C3EF-4762-B584-C403D0555F05}" presName="ParentText" presStyleLbl="revTx" presStyleIdx="2" presStyleCnt="3">
+    <dgm:pt modelId="{CDDE77F1-59BC-4A33-90BD-E91CD93B679A}" type="pres">
+      <dgm:prSet presAssocID="{6DE163EA-C3EF-4762-B584-C403D0555F05}" presName="textNode" presStyleLbl="node1" presStyleIdx="2" presStyleCnt="3">
         <dgm:presLayoutVars>
-          <dgm:chMax val="0"/>
-          <dgm:chPref val="0"/>
           <dgm:bulletEnabled val="1"/>
         </dgm:presLayoutVars>
       </dgm:prSet>
@@ -1096,28 +1056,20 @@
     </dgm:pt>
   </dgm:ptLst>
   <dgm:cxnLst>
-    <dgm:cxn modelId="{A8E50C21-A525-4FA1-921D-6B563FDD2EB6}" type="presOf" srcId="{6C6C5895-632E-4F8C-BC62-D58E2B132FC6}" destId="{18F45B32-8E25-4E07-BC49-9E919D2F09BA}" srcOrd="0" destOrd="0" presId="urn:microsoft.com/office/officeart/2009/3/layout/StepUpProcess"/>
-    <dgm:cxn modelId="{CAE490BC-9961-47F9-9491-73C107A20127}" type="presOf" srcId="{E502E539-2E64-4478-AF72-115F8B06342A}" destId="{57985B16-9A4A-41E4-80D9-2E6031C2030B}" srcOrd="0" destOrd="0" presId="urn:microsoft.com/office/officeart/2009/3/layout/StepUpProcess"/>
+    <dgm:cxn modelId="{809E6D11-7D5D-44B8-98E0-1904208835D9}" type="presOf" srcId="{E502E539-2E64-4478-AF72-115F8B06342A}" destId="{551FF8E1-07DB-40BA-8BDA-6F43279B66AF}" srcOrd="0" destOrd="0" presId="urn:microsoft.com/office/officeart/2005/8/layout/hProcess9"/>
+    <dgm:cxn modelId="{8CB01255-2A7E-48FE-9D75-3D9493A1A80B}" type="presOf" srcId="{6DE163EA-C3EF-4762-B584-C403D0555F05}" destId="{CDDE77F1-59BC-4A33-90BD-E91CD93B679A}" srcOrd="0" destOrd="0" presId="urn:microsoft.com/office/officeart/2005/8/layout/hProcess9"/>
+    <dgm:cxn modelId="{FBA085A0-A510-42FB-91B1-52C8362D3EE0}" type="presOf" srcId="{6C6C5895-632E-4F8C-BC62-D58E2B132FC6}" destId="{7D3E3642-091F-4BAC-B4B9-92C073C3833C}" srcOrd="0" destOrd="0" presId="urn:microsoft.com/office/officeart/2005/8/layout/hProcess9"/>
+    <dgm:cxn modelId="{3CC0B6B3-4FA3-4B76-9EE2-D7BBF781E0BC}" type="presOf" srcId="{6D34731E-DF9E-49E1-BB2C-DA9B73CDB7E0}" destId="{FC24AF88-AC5C-4BB7-8C4B-7ACA8B8EA739}" srcOrd="0" destOrd="0" presId="urn:microsoft.com/office/officeart/2005/8/layout/hProcess9"/>
     <dgm:cxn modelId="{2A11A0BD-20AB-43A2-A1CC-84BA3FE79619}" srcId="{6D34731E-DF9E-49E1-BB2C-DA9B73CDB7E0}" destId="{E502E539-2E64-4478-AF72-115F8B06342A}" srcOrd="1" destOrd="0" parTransId="{B02736D6-5A27-4982-BE42-0D7831F752E2}" sibTransId="{3D9F9707-3FA4-4912-B322-A22404278A9C}"/>
     <dgm:cxn modelId="{B6C368C1-79F9-42DB-96BA-2D21A8ACF216}" srcId="{6D34731E-DF9E-49E1-BB2C-DA9B73CDB7E0}" destId="{6C6C5895-632E-4F8C-BC62-D58E2B132FC6}" srcOrd="0" destOrd="0" parTransId="{CEB32D1F-E9A8-403C-9662-DFE75AFFCE3F}" sibTransId="{DB493C5C-379D-494F-9434-673C13CABEE7}"/>
-    <dgm:cxn modelId="{3773A6D9-08FE-4563-AD9E-8C11730A4A4F}" type="presOf" srcId="{6DE163EA-C3EF-4762-B584-C403D0555F05}" destId="{7D7A06AD-23F3-4563-9B1A-A309E50F26E9}" srcOrd="0" destOrd="0" presId="urn:microsoft.com/office/officeart/2009/3/layout/StepUpProcess"/>
     <dgm:cxn modelId="{6ACA71E4-AD3F-4AD4-9880-9D750ECE391B}" srcId="{6D34731E-DF9E-49E1-BB2C-DA9B73CDB7E0}" destId="{6DE163EA-C3EF-4762-B584-C403D0555F05}" srcOrd="2" destOrd="0" parTransId="{E3E029C8-1CD5-45E8-96B0-129D34B49365}" sibTransId="{527E66AB-E6FA-4E65-9DE7-7E26AB75E936}"/>
-    <dgm:cxn modelId="{624300F7-0C30-4FB6-9E88-F5C388C78214}" type="presOf" srcId="{6D34731E-DF9E-49E1-BB2C-DA9B73CDB7E0}" destId="{35AE562F-AFD7-46C2-AE80-2534149C2D0F}" srcOrd="0" destOrd="0" presId="urn:microsoft.com/office/officeart/2009/3/layout/StepUpProcess"/>
-    <dgm:cxn modelId="{6A1121F6-E071-4F66-932E-A2C33B5893EF}" type="presParOf" srcId="{35AE562F-AFD7-46C2-AE80-2534149C2D0F}" destId="{9ED71150-F931-4B85-9905-0B2CCFCB7310}" srcOrd="0" destOrd="0" presId="urn:microsoft.com/office/officeart/2009/3/layout/StepUpProcess"/>
-    <dgm:cxn modelId="{78F0B92B-5748-41E4-9273-5205A8FF096C}" type="presParOf" srcId="{9ED71150-F931-4B85-9905-0B2CCFCB7310}" destId="{8239FB5F-F20B-4B98-BA89-6096CD9EAC3F}" srcOrd="0" destOrd="0" presId="urn:microsoft.com/office/officeart/2009/3/layout/StepUpProcess"/>
-    <dgm:cxn modelId="{D539F17E-682A-4A62-81D1-B757FBF60C7A}" type="presParOf" srcId="{9ED71150-F931-4B85-9905-0B2CCFCB7310}" destId="{18F45B32-8E25-4E07-BC49-9E919D2F09BA}" srcOrd="1" destOrd="0" presId="urn:microsoft.com/office/officeart/2009/3/layout/StepUpProcess"/>
-    <dgm:cxn modelId="{0A958F50-36D0-4E8D-B557-F1FBDD73FF72}" type="presParOf" srcId="{9ED71150-F931-4B85-9905-0B2CCFCB7310}" destId="{D4F411BB-8EAD-4D1F-8046-88BB249F05AE}" srcOrd="2" destOrd="0" presId="urn:microsoft.com/office/officeart/2009/3/layout/StepUpProcess"/>
-    <dgm:cxn modelId="{9B519F0E-4DBD-460B-A3EA-E1D895166982}" type="presParOf" srcId="{35AE562F-AFD7-46C2-AE80-2534149C2D0F}" destId="{C2B20716-564C-4264-8EC2-32384653EF5E}" srcOrd="1" destOrd="0" presId="urn:microsoft.com/office/officeart/2009/3/layout/StepUpProcess"/>
-    <dgm:cxn modelId="{E68EAF50-3425-4475-8EFD-40FE47D56759}" type="presParOf" srcId="{C2B20716-564C-4264-8EC2-32384653EF5E}" destId="{9E02000D-0F9C-4871-8275-D1EA095FF486}" srcOrd="0" destOrd="0" presId="urn:microsoft.com/office/officeart/2009/3/layout/StepUpProcess"/>
-    <dgm:cxn modelId="{FC98C60A-2E5A-4BED-B502-0C4215B08CCB}" type="presParOf" srcId="{35AE562F-AFD7-46C2-AE80-2534149C2D0F}" destId="{9217C77C-FEE8-402D-A35F-503616C89EF8}" srcOrd="2" destOrd="0" presId="urn:microsoft.com/office/officeart/2009/3/layout/StepUpProcess"/>
-    <dgm:cxn modelId="{B2A76783-2D27-4724-931D-83382450A751}" type="presParOf" srcId="{9217C77C-FEE8-402D-A35F-503616C89EF8}" destId="{11A896B1-BE72-4397-8487-28665A3AD212}" srcOrd="0" destOrd="0" presId="urn:microsoft.com/office/officeart/2009/3/layout/StepUpProcess"/>
-    <dgm:cxn modelId="{3B4D5189-8029-4BBB-9897-19ED751C3F78}" type="presParOf" srcId="{9217C77C-FEE8-402D-A35F-503616C89EF8}" destId="{57985B16-9A4A-41E4-80D9-2E6031C2030B}" srcOrd="1" destOrd="0" presId="urn:microsoft.com/office/officeart/2009/3/layout/StepUpProcess"/>
-    <dgm:cxn modelId="{BE5A54DB-7034-43A1-A5EE-B7182FE11321}" type="presParOf" srcId="{9217C77C-FEE8-402D-A35F-503616C89EF8}" destId="{2A08877B-2A34-4A8D-88DF-DD4993E0086B}" srcOrd="2" destOrd="0" presId="urn:microsoft.com/office/officeart/2009/3/layout/StepUpProcess"/>
-    <dgm:cxn modelId="{0B6D98D5-22F9-454C-95E1-8B362C7CD987}" type="presParOf" srcId="{35AE562F-AFD7-46C2-AE80-2534149C2D0F}" destId="{42F37884-0D5F-4CC4-BD7E-6AA9AB41BCE6}" srcOrd="3" destOrd="0" presId="urn:microsoft.com/office/officeart/2009/3/layout/StepUpProcess"/>
-    <dgm:cxn modelId="{8FBC78DC-3A03-4C36-80C5-D53371C18A1B}" type="presParOf" srcId="{42F37884-0D5F-4CC4-BD7E-6AA9AB41BCE6}" destId="{5F7F51F2-4D7E-4622-A4B5-A5BC0E64F930}" srcOrd="0" destOrd="0" presId="urn:microsoft.com/office/officeart/2009/3/layout/StepUpProcess"/>
-    <dgm:cxn modelId="{B8795945-F14E-4341-987D-A99C70583D07}" type="presParOf" srcId="{35AE562F-AFD7-46C2-AE80-2534149C2D0F}" destId="{FB6FB353-7752-4DFA-9E6D-59093500898A}" srcOrd="4" destOrd="0" presId="urn:microsoft.com/office/officeart/2009/3/layout/StepUpProcess"/>
-    <dgm:cxn modelId="{7D73D66D-AFE6-4320-A1A2-10B4B76C8EC2}" type="presParOf" srcId="{FB6FB353-7752-4DFA-9E6D-59093500898A}" destId="{6A0AB417-98A1-4FBF-8501-CCEEF8B16AB0}" srcOrd="0" destOrd="0" presId="urn:microsoft.com/office/officeart/2009/3/layout/StepUpProcess"/>
-    <dgm:cxn modelId="{F4D8A4C0-8B19-4EAB-A8CC-44284E48913D}" type="presParOf" srcId="{FB6FB353-7752-4DFA-9E6D-59093500898A}" destId="{7D7A06AD-23F3-4563-9B1A-A309E50F26E9}" srcOrd="1" destOrd="0" presId="urn:microsoft.com/office/officeart/2009/3/layout/StepUpProcess"/>
+    <dgm:cxn modelId="{97FCFCD8-EEC9-4ADB-996A-DEDD2DBD7262}" type="presParOf" srcId="{FC24AF88-AC5C-4BB7-8C4B-7ACA8B8EA739}" destId="{0116710D-D23B-4DD5-9418-DBE683749873}" srcOrd="0" destOrd="0" presId="urn:microsoft.com/office/officeart/2005/8/layout/hProcess9"/>
+    <dgm:cxn modelId="{9F411E1C-9F22-43AB-BA5B-FEBD8950E551}" type="presParOf" srcId="{FC24AF88-AC5C-4BB7-8C4B-7ACA8B8EA739}" destId="{D7073654-50C6-4A54-B55C-A7ADB25A9A13}" srcOrd="1" destOrd="0" presId="urn:microsoft.com/office/officeart/2005/8/layout/hProcess9"/>
+    <dgm:cxn modelId="{62E9DEA8-97DE-4602-AFEA-6E8962EB2E85}" type="presParOf" srcId="{D7073654-50C6-4A54-B55C-A7ADB25A9A13}" destId="{7D3E3642-091F-4BAC-B4B9-92C073C3833C}" srcOrd="0" destOrd="0" presId="urn:microsoft.com/office/officeart/2005/8/layout/hProcess9"/>
+    <dgm:cxn modelId="{D5633081-811B-4261-A113-01FE7FA3B50F}" type="presParOf" srcId="{D7073654-50C6-4A54-B55C-A7ADB25A9A13}" destId="{0FD5B9DA-EFC5-40B2-9D30-E066FC56AFB1}" srcOrd="1" destOrd="0" presId="urn:microsoft.com/office/officeart/2005/8/layout/hProcess9"/>
+    <dgm:cxn modelId="{16CA2A3A-35F3-4D52-A923-F9B2A5D84157}" type="presParOf" srcId="{D7073654-50C6-4A54-B55C-A7ADB25A9A13}" destId="{551FF8E1-07DB-40BA-8BDA-6F43279B66AF}" srcOrd="2" destOrd="0" presId="urn:microsoft.com/office/officeart/2005/8/layout/hProcess9"/>
+    <dgm:cxn modelId="{273201BE-17D9-43B1-B6D4-8ABB2045B54D}" type="presParOf" srcId="{D7073654-50C6-4A54-B55C-A7ADB25A9A13}" destId="{F36B988B-9AB7-4A6B-9A67-AD416417CD25}" srcOrd="3" destOrd="0" presId="urn:microsoft.com/office/officeart/2005/8/layout/hProcess9"/>
+    <dgm:cxn modelId="{6F51B31F-E7B9-44D0-AF94-280AB7CCF746}" type="presParOf" srcId="{D7073654-50C6-4A54-B55C-A7ADB25A9A13}" destId="{CDDE77F1-59BC-4A33-90BD-E91CD93B679A}" srcOrd="4" destOrd="0" presId="urn:microsoft.com/office/officeart/2005/8/layout/hProcess9"/>
   </dgm:cxnLst>
   <dgm:bg/>
   <dgm:whole/>
@@ -1137,24 +1089,22 @@
       <dsp:cNvGrpSpPr/>
     </dsp:nvGrpSpPr>
     <dsp:grpSpPr/>
-    <dsp:sp modelId="{8239FB5F-F20B-4B98-BA89-6096CD9EAC3F}">
+    <dsp:sp modelId="{0116710D-D23B-4DD5-9418-DBE683749873}">
       <dsp:nvSpPr>
         <dsp:cNvPr id="0" name=""/>
         <dsp:cNvSpPr/>
       </dsp:nvSpPr>
       <dsp:spPr>
-        <a:xfrm rot="5400000">
-          <a:off x="678737" y="1314583"/>
-          <a:ext cx="2032657" cy="3382295"/>
+        <a:xfrm>
+          <a:off x="815490" y="0"/>
+          <a:ext cx="9242226" cy="5141168"/>
         </a:xfrm>
-        <a:prstGeom prst="corner">
-          <a:avLst>
-            <a:gd name="adj1" fmla="val 16120"/>
-            <a:gd name="adj2" fmla="val 16110"/>
-          </a:avLst>
+        <a:prstGeom prst="rightArrow">
+          <a:avLst/>
         </a:prstGeom>
         <a:solidFill>
           <a:schemeClr val="accent1">
+            <a:tint val="40000"/>
             <a:hueOff val="0"/>
             <a:satOff val="0"/>
             <a:lumOff val="0"/>
@@ -1175,12 +1125,14 @@
         </a:ln>
         <a:effectLst/>
         <a:scene3d>
-          <a:camera prst="orthographicFront"/>
-          <a:lightRig rig="chilly" dir="t"/>
+          <a:camera prst="orthographicFront">
+            <a:rot lat="0" lon="0" rev="0"/>
+          </a:camera>
+          <a:lightRig rig="contrasting" dir="t">
+            <a:rot lat="0" lon="0" rev="1200000"/>
+          </a:lightRig>
         </a:scene3d>
-        <a:sp3d prstMaterial="translucentPowder">
-          <a:bevelT w="127000" h="25400" prst="softRound"/>
-        </a:sp3d>
+        <a:sp3d z="-300000" prstMaterial="plastic"/>
       </dsp:spPr>
       <dsp:style>
         <a:lnRef idx="1">
@@ -1192,49 +1144,68 @@
         <a:effectRef idx="0">
           <a:scrgbClr r="0" g="0" b="0"/>
         </a:effectRef>
-        <a:fontRef idx="minor">
-          <a:schemeClr val="lt1"/>
-        </a:fontRef>
+        <a:fontRef idx="minor"/>
       </dsp:style>
     </dsp:sp>
-    <dsp:sp modelId="{18F45B32-8E25-4E07-BC49-9E919D2F09BA}">
+    <dsp:sp modelId="{7D3E3642-091F-4BAC-B4B9-92C073C3833C}">
       <dsp:nvSpPr>
         <dsp:cNvPr id="0" name=""/>
         <dsp:cNvSpPr/>
       </dsp:nvSpPr>
       <dsp:spPr>
         <a:xfrm>
-          <a:off x="339436" y="2325161"/>
-          <a:ext cx="3053555" cy="2676620"/>
+          <a:off x="0" y="1542350"/>
+          <a:ext cx="3261962" cy="2056467"/>
         </a:xfrm>
-        <a:prstGeom prst="rect">
+        <a:prstGeom prst="roundRect">
           <a:avLst/>
         </a:prstGeom>
-        <a:noFill/>
+        <a:solidFill>
+          <a:schemeClr val="accent1">
+            <a:hueOff val="0"/>
+            <a:satOff val="0"/>
+            <a:lumOff val="0"/>
+            <a:alphaOff val="0"/>
+          </a:schemeClr>
+        </a:solidFill>
         <a:ln>
           <a:noFill/>
         </a:ln>
         <a:effectLst/>
+        <a:scene3d>
+          <a:camera prst="orthographicFront">
+            <a:rot lat="0" lon="0" rev="0"/>
+          </a:camera>
+          <a:lightRig rig="contrasting" dir="t">
+            <a:rot lat="0" lon="0" rev="1200000"/>
+          </a:lightRig>
+        </a:scene3d>
+        <a:sp3d contourW="19050" prstMaterial="metal">
+          <a:bevelT w="88900" h="203200"/>
+          <a:bevelB w="165100" h="254000"/>
+        </a:sp3d>
       </dsp:spPr>
       <dsp:style>
         <a:lnRef idx="0">
           <a:scrgbClr r="0" g="0" b="0"/>
         </a:lnRef>
-        <a:fillRef idx="0">
+        <a:fillRef idx="1">
           <a:scrgbClr r="0" g="0" b="0"/>
         </a:fillRef>
-        <a:effectRef idx="0">
+        <a:effectRef idx="2">
           <a:scrgbClr r="0" g="0" b="0"/>
         </a:effectRef>
-        <a:fontRef idx="minor"/>
+        <a:fontRef idx="minor">
+          <a:schemeClr val="lt1"/>
+        </a:fontRef>
       </dsp:style>
       <dsp:txBody>
-        <a:bodyPr spcFirstLastPara="0" vert="horz" wrap="square" lIns="106680" tIns="106680" rIns="106680" bIns="106680" numCol="1" spcCol="1270" anchor="t" anchorCtr="0">
+        <a:bodyPr spcFirstLastPara="0" vert="horz" wrap="square" lIns="106680" tIns="106680" rIns="106680" bIns="106680" numCol="1" spcCol="1270" anchor="ctr" anchorCtr="0">
           <a:noAutofit/>
         </a:bodyPr>
         <a:lstStyle/>
         <a:p>
-          <a:pPr marL="0" lvl="0" indent="0" algn="l" defTabSz="1244600">
+          <a:pPr marL="0" lvl="0" indent="0" algn="ctr" defTabSz="1244600">
             <a:lnSpc>
               <a:spcPct val="90000"/>
             </a:lnSpc>
@@ -1254,24 +1225,22 @@
         </a:p>
       </dsp:txBody>
       <dsp:txXfrm>
-        <a:off x="339436" y="2325161"/>
-        <a:ext cx="3053555" cy="2676620"/>
+        <a:off x="100388" y="1642738"/>
+        <a:ext cx="3061186" cy="1855691"/>
       </dsp:txXfrm>
     </dsp:sp>
-    <dsp:sp modelId="{D4F411BB-8EAD-4D1F-8046-88BB249F05AE}">
+    <dsp:sp modelId="{551FF8E1-07DB-40BA-8BDA-6F43279B66AF}">
       <dsp:nvSpPr>
         <dsp:cNvPr id="0" name=""/>
         <dsp:cNvSpPr/>
       </dsp:nvSpPr>
       <dsp:spPr>
         <a:xfrm>
-          <a:off x="2816849" y="1065575"/>
-          <a:ext cx="576142" cy="576142"/>
+          <a:off x="3805622" y="1542350"/>
+          <a:ext cx="3261962" cy="2056467"/>
         </a:xfrm>
-        <a:prstGeom prst="triangle">
-          <a:avLst>
-            <a:gd name="adj" fmla="val 100000"/>
-          </a:avLst>
+        <a:prstGeom prst="roundRect">
+          <a:avLst/>
         </a:prstGeom>
         <a:solidFill>
           <a:schemeClr val="accent1">
@@ -1281,140 +1250,44 @@
             <a:alphaOff val="0"/>
           </a:schemeClr>
         </a:solidFill>
-        <a:ln w="6350" cap="flat" cmpd="sng" algn="ctr">
-          <a:solidFill>
-            <a:schemeClr val="accent1">
-              <a:hueOff val="0"/>
-              <a:satOff val="0"/>
-              <a:lumOff val="0"/>
-              <a:alphaOff val="0"/>
-            </a:schemeClr>
-          </a:solidFill>
-          <a:prstDash val="solid"/>
-          <a:miter lim="800000"/>
+        <a:ln>
+          <a:noFill/>
         </a:ln>
         <a:effectLst/>
         <a:scene3d>
-          <a:camera prst="orthographicFront"/>
-          <a:lightRig rig="chilly" dir="t"/>
+          <a:camera prst="orthographicFront">
+            <a:rot lat="0" lon="0" rev="0"/>
+          </a:camera>
+          <a:lightRig rig="contrasting" dir="t">
+            <a:rot lat="0" lon="0" rev="1200000"/>
+          </a:lightRig>
         </a:scene3d>
-        <a:sp3d prstMaterial="translucentPowder">
-          <a:bevelT w="127000" h="25400" prst="softRound"/>
+        <a:sp3d contourW="19050" prstMaterial="metal">
+          <a:bevelT w="88900" h="203200"/>
+          <a:bevelB w="165100" h="254000"/>
         </a:sp3d>
       </dsp:spPr>
       <dsp:style>
-        <a:lnRef idx="1">
+        <a:lnRef idx="0">
           <a:scrgbClr r="0" g="0" b="0"/>
         </a:lnRef>
         <a:fillRef idx="1">
           <a:scrgbClr r="0" g="0" b="0"/>
         </a:fillRef>
-        <a:effectRef idx="0">
+        <a:effectRef idx="2">
           <a:scrgbClr r="0" g="0" b="0"/>
         </a:effectRef>
         <a:fontRef idx="minor">
           <a:schemeClr val="lt1"/>
         </a:fontRef>
       </dsp:style>
-    </dsp:sp>
-    <dsp:sp modelId="{11A896B1-BE72-4397-8487-28665A3AD212}">
-      <dsp:nvSpPr>
-        <dsp:cNvPr id="0" name=""/>
-        <dsp:cNvSpPr/>
-      </dsp:nvSpPr>
-      <dsp:spPr>
-        <a:xfrm rot="5400000">
-          <a:off x="4416886" y="389575"/>
-          <a:ext cx="2032657" cy="3382295"/>
-        </a:xfrm>
-        <a:prstGeom prst="corner">
-          <a:avLst>
-            <a:gd name="adj1" fmla="val 16120"/>
-            <a:gd name="adj2" fmla="val 16110"/>
-          </a:avLst>
-        </a:prstGeom>
-        <a:solidFill>
-          <a:schemeClr val="accent1">
-            <a:hueOff val="0"/>
-            <a:satOff val="0"/>
-            <a:lumOff val="0"/>
-            <a:alphaOff val="0"/>
-          </a:schemeClr>
-        </a:solidFill>
-        <a:ln w="6350" cap="flat" cmpd="sng" algn="ctr">
-          <a:solidFill>
-            <a:schemeClr val="accent1">
-              <a:hueOff val="0"/>
-              <a:satOff val="0"/>
-              <a:lumOff val="0"/>
-              <a:alphaOff val="0"/>
-            </a:schemeClr>
-          </a:solidFill>
-          <a:prstDash val="solid"/>
-          <a:miter lim="800000"/>
-        </a:ln>
-        <a:effectLst/>
-        <a:scene3d>
-          <a:camera prst="orthographicFront"/>
-          <a:lightRig rig="chilly" dir="t"/>
-        </a:scene3d>
-        <a:sp3d prstMaterial="translucentPowder">
-          <a:bevelT w="127000" h="25400" prst="softRound"/>
-        </a:sp3d>
-      </dsp:spPr>
-      <dsp:style>
-        <a:lnRef idx="1">
-          <a:scrgbClr r="0" g="0" b="0"/>
-        </a:lnRef>
-        <a:fillRef idx="1">
-          <a:scrgbClr r="0" g="0" b="0"/>
-        </a:fillRef>
-        <a:effectRef idx="0">
-          <a:scrgbClr r="0" g="0" b="0"/>
-        </a:effectRef>
-        <a:fontRef idx="minor">
-          <a:schemeClr val="lt1"/>
-        </a:fontRef>
-      </dsp:style>
-    </dsp:sp>
-    <dsp:sp modelId="{57985B16-9A4A-41E4-80D9-2E6031C2030B}">
-      <dsp:nvSpPr>
-        <dsp:cNvPr id="0" name=""/>
-        <dsp:cNvSpPr/>
-      </dsp:nvSpPr>
-      <dsp:spPr>
-        <a:xfrm>
-          <a:off x="4077585" y="1400152"/>
-          <a:ext cx="3053555" cy="2676620"/>
-        </a:xfrm>
-        <a:prstGeom prst="rect">
-          <a:avLst/>
-        </a:prstGeom>
-        <a:noFill/>
-        <a:ln>
-          <a:noFill/>
-        </a:ln>
-        <a:effectLst/>
-      </dsp:spPr>
-      <dsp:style>
-        <a:lnRef idx="0">
-          <a:scrgbClr r="0" g="0" b="0"/>
-        </a:lnRef>
-        <a:fillRef idx="0">
-          <a:scrgbClr r="0" g="0" b="0"/>
-        </a:fillRef>
-        <a:effectRef idx="0">
-          <a:scrgbClr r="0" g="0" b="0"/>
-        </a:effectRef>
-        <a:fontRef idx="minor"/>
-      </dsp:style>
       <dsp:txBody>
-        <a:bodyPr spcFirstLastPara="0" vert="horz" wrap="square" lIns="106680" tIns="106680" rIns="106680" bIns="106680" numCol="1" spcCol="1270" anchor="t" anchorCtr="0">
+        <a:bodyPr spcFirstLastPara="0" vert="horz" wrap="square" lIns="106680" tIns="106680" rIns="106680" bIns="106680" numCol="1" spcCol="1270" anchor="ctr" anchorCtr="0">
           <a:noAutofit/>
         </a:bodyPr>
         <a:lstStyle/>
         <a:p>
-          <a:pPr marL="0" lvl="0" indent="0" algn="l" defTabSz="1244600">
+          <a:pPr marL="0" lvl="0" indent="0" algn="ctr" defTabSz="1244600">
             <a:lnSpc>
               <a:spcPct val="90000"/>
             </a:lnSpc>
@@ -1434,24 +1307,22 @@
         </a:p>
       </dsp:txBody>
       <dsp:txXfrm>
-        <a:off x="4077585" y="1400152"/>
-        <a:ext cx="3053555" cy="2676620"/>
+        <a:off x="3906010" y="1642738"/>
+        <a:ext cx="3061186" cy="1855691"/>
       </dsp:txXfrm>
     </dsp:sp>
-    <dsp:sp modelId="{2A08877B-2A34-4A8D-88DF-DD4993E0086B}">
+    <dsp:sp modelId="{CDDE77F1-59BC-4A33-90BD-E91CD93B679A}">
       <dsp:nvSpPr>
         <dsp:cNvPr id="0" name=""/>
         <dsp:cNvSpPr/>
       </dsp:nvSpPr>
       <dsp:spPr>
         <a:xfrm>
-          <a:off x="6554998" y="140566"/>
-          <a:ext cx="576142" cy="576142"/>
+          <a:off x="7611245" y="1542350"/>
+          <a:ext cx="3261962" cy="2056467"/>
         </a:xfrm>
-        <a:prstGeom prst="triangle">
-          <a:avLst>
-            <a:gd name="adj" fmla="val 100000"/>
-          </a:avLst>
+        <a:prstGeom prst="roundRect">
+          <a:avLst/>
         </a:prstGeom>
         <a:solidFill>
           <a:schemeClr val="accent1">
@@ -1461,140 +1332,44 @@
             <a:alphaOff val="0"/>
           </a:schemeClr>
         </a:solidFill>
-        <a:ln w="6350" cap="flat" cmpd="sng" algn="ctr">
-          <a:solidFill>
-            <a:schemeClr val="accent1">
-              <a:hueOff val="0"/>
-              <a:satOff val="0"/>
-              <a:lumOff val="0"/>
-              <a:alphaOff val="0"/>
-            </a:schemeClr>
-          </a:solidFill>
-          <a:prstDash val="solid"/>
-          <a:miter lim="800000"/>
+        <a:ln>
+          <a:noFill/>
         </a:ln>
         <a:effectLst/>
         <a:scene3d>
-          <a:camera prst="orthographicFront"/>
-          <a:lightRig rig="chilly" dir="t"/>
+          <a:camera prst="orthographicFront">
+            <a:rot lat="0" lon="0" rev="0"/>
+          </a:camera>
+          <a:lightRig rig="contrasting" dir="t">
+            <a:rot lat="0" lon="0" rev="1200000"/>
+          </a:lightRig>
         </a:scene3d>
-        <a:sp3d prstMaterial="translucentPowder">
-          <a:bevelT w="127000" h="25400" prst="softRound"/>
+        <a:sp3d contourW="19050" prstMaterial="metal">
+          <a:bevelT w="88900" h="203200"/>
+          <a:bevelB w="165100" h="254000"/>
         </a:sp3d>
       </dsp:spPr>
       <dsp:style>
-        <a:lnRef idx="1">
+        <a:lnRef idx="0">
           <a:scrgbClr r="0" g="0" b="0"/>
         </a:lnRef>
         <a:fillRef idx="1">
           <a:scrgbClr r="0" g="0" b="0"/>
         </a:fillRef>
-        <a:effectRef idx="0">
+        <a:effectRef idx="2">
           <a:scrgbClr r="0" g="0" b="0"/>
         </a:effectRef>
         <a:fontRef idx="minor">
           <a:schemeClr val="lt1"/>
         </a:fontRef>
       </dsp:style>
-    </dsp:sp>
-    <dsp:sp modelId="{6A0AB417-98A1-4FBF-8501-CCEEF8B16AB0}">
-      <dsp:nvSpPr>
-        <dsp:cNvPr id="0" name=""/>
-        <dsp:cNvSpPr/>
-      </dsp:nvSpPr>
-      <dsp:spPr>
-        <a:xfrm rot="5400000">
-          <a:off x="8155034" y="-535433"/>
-          <a:ext cx="2032657" cy="3382295"/>
-        </a:xfrm>
-        <a:prstGeom prst="corner">
-          <a:avLst>
-            <a:gd name="adj1" fmla="val 16120"/>
-            <a:gd name="adj2" fmla="val 16110"/>
-          </a:avLst>
-        </a:prstGeom>
-        <a:solidFill>
-          <a:schemeClr val="accent1">
-            <a:hueOff val="0"/>
-            <a:satOff val="0"/>
-            <a:lumOff val="0"/>
-            <a:alphaOff val="0"/>
-          </a:schemeClr>
-        </a:solidFill>
-        <a:ln w="6350" cap="flat" cmpd="sng" algn="ctr">
-          <a:solidFill>
-            <a:schemeClr val="accent1">
-              <a:hueOff val="0"/>
-              <a:satOff val="0"/>
-              <a:lumOff val="0"/>
-              <a:alphaOff val="0"/>
-            </a:schemeClr>
-          </a:solidFill>
-          <a:prstDash val="solid"/>
-          <a:miter lim="800000"/>
-        </a:ln>
-        <a:effectLst/>
-        <a:scene3d>
-          <a:camera prst="orthographicFront"/>
-          <a:lightRig rig="chilly" dir="t"/>
-        </a:scene3d>
-        <a:sp3d prstMaterial="translucentPowder">
-          <a:bevelT w="127000" h="25400" prst="softRound"/>
-        </a:sp3d>
-      </dsp:spPr>
-      <dsp:style>
-        <a:lnRef idx="1">
-          <a:scrgbClr r="0" g="0" b="0"/>
-        </a:lnRef>
-        <a:fillRef idx="1">
-          <a:scrgbClr r="0" g="0" b="0"/>
-        </a:fillRef>
-        <a:effectRef idx="0">
-          <a:scrgbClr r="0" g="0" b="0"/>
-        </a:effectRef>
-        <a:fontRef idx="minor">
-          <a:schemeClr val="lt1"/>
-        </a:fontRef>
-      </dsp:style>
-    </dsp:sp>
-    <dsp:sp modelId="{7D7A06AD-23F3-4563-9B1A-A309E50F26E9}">
-      <dsp:nvSpPr>
-        <dsp:cNvPr id="0" name=""/>
-        <dsp:cNvSpPr/>
-      </dsp:nvSpPr>
-      <dsp:spPr>
-        <a:xfrm>
-          <a:off x="7815733" y="475144"/>
-          <a:ext cx="3053555" cy="2676620"/>
-        </a:xfrm>
-        <a:prstGeom prst="rect">
-          <a:avLst/>
-        </a:prstGeom>
-        <a:noFill/>
-        <a:ln>
-          <a:noFill/>
-        </a:ln>
-        <a:effectLst/>
-      </dsp:spPr>
-      <dsp:style>
-        <a:lnRef idx="0">
-          <a:scrgbClr r="0" g="0" b="0"/>
-        </a:lnRef>
-        <a:fillRef idx="0">
-          <a:scrgbClr r="0" g="0" b="0"/>
-        </a:fillRef>
-        <a:effectRef idx="0">
-          <a:scrgbClr r="0" g="0" b="0"/>
-        </a:effectRef>
-        <a:fontRef idx="minor"/>
-      </dsp:style>
       <dsp:txBody>
-        <a:bodyPr spcFirstLastPara="0" vert="horz" wrap="square" lIns="106680" tIns="106680" rIns="106680" bIns="106680" numCol="1" spcCol="1270" anchor="t" anchorCtr="0">
+        <a:bodyPr spcFirstLastPara="0" vert="horz" wrap="square" lIns="106680" tIns="106680" rIns="106680" bIns="106680" numCol="1" spcCol="1270" anchor="ctr" anchorCtr="0">
           <a:noAutofit/>
         </a:bodyPr>
         <a:lstStyle/>
         <a:p>
-          <a:pPr marL="0" lvl="0" indent="0" algn="l" defTabSz="1244600">
+          <a:pPr marL="0" lvl="0" indent="0" algn="ctr" defTabSz="1244600">
             <a:lnSpc>
               <a:spcPct val="90000"/>
             </a:lnSpc>
@@ -1614,8 +1389,8 @@
         </a:p>
       </dsp:txBody>
       <dsp:txXfrm>
-        <a:off x="7815733" y="475144"/>
-        <a:ext cx="3053555" cy="2676620"/>
+        <a:off x="7711633" y="1642738"/>
+        <a:ext cx="3061186" cy="1855691"/>
       </dsp:txXfrm>
     </dsp:sp>
   </dsp:spTree>
@@ -1623,31 +1398,16 @@
 </file>
 
 <file path=ppt/diagrams/layout1.xml><?xml version="1.0" encoding="utf-8"?>
-<dgm:layoutDef xmlns:dgm="http://schemas.openxmlformats.org/drawingml/2006/diagram" xmlns:a="http://schemas.openxmlformats.org/drawingml/2006/main" uniqueId="urn:microsoft.com/office/officeart/2009/3/layout/StepUpProcess">
+<dgm:layoutDef xmlns:dgm="http://schemas.openxmlformats.org/drawingml/2006/diagram" xmlns:a="http://schemas.openxmlformats.org/drawingml/2006/main" uniqueId="urn:microsoft.com/office/officeart/2005/8/layout/hProcess9">
   <dgm:title val=""/>
   <dgm:desc val=""/>
   <dgm:catLst>
-    <dgm:cat type="process" pri="1300"/>
+    <dgm:cat type="process" pri="5000"/>
+    <dgm:cat type="convert" pri="13000"/>
   </dgm:catLst>
-  <dgm:sampData>
+  <dgm:sampData useDef="1">
     <dgm:dataModel>
-      <dgm:ptLst>
-        <dgm:pt modelId="0" type="doc"/>
-        <dgm:pt modelId="10">
-          <dgm:prSet phldr="1"/>
-        </dgm:pt>
-        <dgm:pt modelId="20">
-          <dgm:prSet phldr="1"/>
-        </dgm:pt>
-        <dgm:pt modelId="30">
-          <dgm:prSet phldr="1"/>
-        </dgm:pt>
-      </dgm:ptLst>
-      <dgm:cxnLst>
-        <dgm:cxn modelId="60" srcId="0" destId="10" srcOrd="0" destOrd="0"/>
-        <dgm:cxn modelId="70" srcId="0" destId="20" srcOrd="1" destOrd="0"/>
-        <dgm:cxn modelId="80" srcId="0" destId="30" srcOrd="2" destOrd="0"/>
-      </dgm:cxnLst>
+      <dgm:ptLst/>
       <dgm:bg/>
       <dgm:whole/>
     </dgm:dataModel>
@@ -1656,16 +1416,12 @@
     <dgm:dataModel>
       <dgm:ptLst>
         <dgm:pt modelId="0" type="doc"/>
-        <dgm:pt modelId="10">
-          <dgm:prSet phldr="1"/>
-        </dgm:pt>
-        <dgm:pt modelId="20">
-          <dgm:prSet phldr="1"/>
-        </dgm:pt>
+        <dgm:pt modelId="1"/>
+        <dgm:pt modelId="2"/>
       </dgm:ptLst>
       <dgm:cxnLst>
-        <dgm:cxn modelId="60" srcId="0" destId="10" srcOrd="0" destOrd="0"/>
-        <dgm:cxn modelId="70" srcId="0" destId="20" srcOrd="1" destOrd="0"/>
+        <dgm:cxn modelId="3" srcId="0" destId="1" srcOrd="0" destOrd="0"/>
+        <dgm:cxn modelId="4" srcId="0" destId="2" srcOrd="1" destOrd="0"/>
       </dgm:cxnLst>
       <dgm:bg/>
       <dgm:whole/>
@@ -1675,211 +1431,132 @@
     <dgm:dataModel>
       <dgm:ptLst>
         <dgm:pt modelId="0" type="doc"/>
-        <dgm:pt modelId="10">
-          <dgm:prSet phldr="1"/>
-        </dgm:pt>
-        <dgm:pt modelId="20">
-          <dgm:prSet phldr="1"/>
-        </dgm:pt>
-        <dgm:pt modelId="30">
-          <dgm:prSet phldr="1"/>
-        </dgm:pt>
-        <dgm:pt modelId="40">
-          <dgm:prSet phldr="1"/>
-        </dgm:pt>
+        <dgm:pt modelId="1"/>
+        <dgm:pt modelId="2"/>
+        <dgm:pt modelId="3"/>
+        <dgm:pt modelId="4"/>
       </dgm:ptLst>
       <dgm:cxnLst>
-        <dgm:cxn modelId="60" srcId="0" destId="10" srcOrd="0" destOrd="0"/>
-        <dgm:cxn modelId="70" srcId="0" destId="20" srcOrd="1" destOrd="0"/>
-        <dgm:cxn modelId="80" srcId="0" destId="30" srcOrd="2" destOrd="0"/>
-        <dgm:cxn modelId="90" srcId="0" destId="40" srcOrd="3" destOrd="0"/>
+        <dgm:cxn modelId="5" srcId="0" destId="1" srcOrd="0" destOrd="0"/>
+        <dgm:cxn modelId="6" srcId="0" destId="2" srcOrd="1" destOrd="0"/>
+        <dgm:cxn modelId="7" srcId="0" destId="3" srcOrd="2" destOrd="0"/>
+        <dgm:cxn modelId="8" srcId="0" destId="4" srcOrd="3" destOrd="0"/>
       </dgm:cxnLst>
       <dgm:bg/>
       <dgm:whole/>
     </dgm:dataModel>
   </dgm:clrData>
-  <dgm:layoutNode name="rootnode">
+  <dgm:layoutNode name="CompostProcess">
     <dgm:varLst>
-      <dgm:chMax/>
-      <dgm:chPref/>
       <dgm:dir/>
-      <dgm:animLvl val="lvl"/>
+      <dgm:resizeHandles val="exact"/>
     </dgm:varLst>
-    <dgm:choose name="Name0">
-      <dgm:if name="Name1" func="var" arg="dir" op="equ" val="norm">
-        <dgm:alg type="snake">
-          <dgm:param type="grDir" val="bL"/>
-          <dgm:param type="flowDir" val="row"/>
-          <dgm:param type="off" val="off"/>
-          <dgm:param type="bkpt" val="fixed"/>
-          <dgm:param type="bkPtFixedVal" val="1"/>
-        </dgm:alg>
-      </dgm:if>
-      <dgm:else name="Name2">
-        <dgm:alg type="snake">
-          <dgm:param type="grDir" val="bR"/>
-          <dgm:param type="flowDir" val="row"/>
-          <dgm:param type="off" val="off"/>
-          <dgm:param type="bkpt" val="fixed"/>
-          <dgm:param type="bkPtFixedVal" val="1"/>
-        </dgm:alg>
-      </dgm:else>
-    </dgm:choose>
+    <dgm:alg type="composite">
+      <dgm:param type="horzAlign" val="ctr"/>
+      <dgm:param type="vertAlign" val="mid"/>
+    </dgm:alg>
     <dgm:shape xmlns:r="http://schemas.openxmlformats.org/officeDocument/2006/relationships" r:blip="">
       <dgm:adjLst/>
     </dgm:shape>
+    <dgm:presOf/>
     <dgm:constrLst>
-      <dgm:constr type="alignOff" forName="rootnode" val="1"/>
-      <dgm:constr type="primFontSz" for="des" ptType="node" op="equ" val="65"/>
-      <dgm:constr type="w" for="ch" forName="composite" refType="w"/>
-      <dgm:constr type="h" for="ch" forName="composite" refType="h"/>
-      <dgm:constr type="sp" refType="h" refFor="ch" refForName="composite" op="equ" fact="-0.765"/>
-      <dgm:constr type="w" for="ch" forName="sibTrans" refType="w" fact="0.103"/>
-      <dgm:constr type="h" for="ch" forName="sibTrans" refType="h" fact="0.103"/>
+      <dgm:constr type="w" for="ch" forName="arrow" refType="w" fact="0.85"/>
+      <dgm:constr type="h" for="ch" forName="arrow" refType="h"/>
+      <dgm:constr type="ctrX" for="ch" forName="arrow" refType="w" fact="0.5"/>
+      <dgm:constr type="ctrY" for="ch" forName="arrow" refType="h" fact="0.5"/>
+      <dgm:constr type="w" for="ch" forName="linearProcess" refType="w"/>
+      <dgm:constr type="h" for="ch" forName="linearProcess" refType="h" fact="0.4"/>
+      <dgm:constr type="ctrX" for="ch" forName="linearProcess" refType="w" fact="0.5"/>
+      <dgm:constr type="ctrY" for="ch" forName="linearProcess" refType="h" fact="0.5"/>
     </dgm:constrLst>
-    <dgm:forEach name="nodesForEach" axis="ch" ptType="node">
-      <dgm:layoutNode name="composite">
-        <dgm:alg type="composite">
-          <dgm:param type="ar" val="0.861"/>
-        </dgm:alg>
-        <dgm:shape xmlns:r="http://schemas.openxmlformats.org/officeDocument/2006/relationships" r:blip="">
-          <dgm:adjLst/>
-        </dgm:shape>
-        <dgm:choose name="Name3">
-          <dgm:if name="Name4" func="var" arg="dir" op="equ" val="norm">
-            <dgm:constrLst>
-              <dgm:constr type="l" for="ch" forName="LShape" refType="w" fact="0"/>
-              <dgm:constr type="t" for="ch" forName="LShape" refType="h" fact="0.2347"/>
-              <dgm:constr type="w" for="ch" forName="LShape" refType="w" fact="0.998"/>
-              <dgm:constr type="h" for="ch" forName="LShape" refType="h" fact="0.5164"/>
-              <dgm:constr type="r" for="ch" forName="ParentText" refType="w"/>
-              <dgm:constr type="t" for="ch" forName="ParentText" refType="h" fact="0.32"/>
-              <dgm:constr type="w" for="ch" forName="ParentText" refType="w" fact="0.901"/>
-              <dgm:constr type="h" for="ch" forName="ParentText" refType="h" fact="0.68"/>
-              <dgm:constr type="l" for="ch" forName="Triangle" refType="w" fact="0.83"/>
-              <dgm:constr type="t" for="ch" forName="Triangle" refType="h" fact="0"/>
-              <dgm:constr type="w" for="ch" forName="Triangle" refType="w" fact="0.17"/>
-              <dgm:constr type="h" for="ch" forName="Triangle" refType="w" refFor="ch" refForName="Triangle"/>
-            </dgm:constrLst>
-          </dgm:if>
-          <dgm:else name="Name5">
-            <dgm:constrLst>
-              <dgm:constr type="l" for="ch" forName="LShape" refType="w" fact="0.002"/>
-              <dgm:constr type="t" for="ch" forName="LShape" refType="h" fact="0.2347"/>
-              <dgm:constr type="w" for="ch" forName="LShape" refType="w"/>
-              <dgm:constr type="h" for="ch" forName="LShape" refType="h" fact="0.5164"/>
-              <dgm:constr type="l" for="ch" forName="ParentText" refType="w" fact="0"/>
-              <dgm:constr type="t" for="ch" forName="ParentText" refType="h" fact="0.32"/>
-              <dgm:constr type="w" for="ch" forName="ParentText" refType="w" fact="0.902"/>
-              <dgm:constr type="h" for="ch" forName="ParentText" refType="h" fact="0.68"/>
-              <dgm:constr type="l" for="ch" forName="Triangle" refType="w" fact="0"/>
-              <dgm:constr type="t" for="ch" forName="Triangle" refType="h" fact="0"/>
-              <dgm:constr type="w" for="ch" forName="Triangle" refType="w" fact="0.17"/>
-              <dgm:constr type="h" for="ch" forName="Triangle" refType="w" refFor="ch" refForName="Triangle"/>
-            </dgm:constrLst>
-          </dgm:else>
-        </dgm:choose>
-        <dgm:layoutNode name="LShape" styleLbl="alignNode1">
-          <dgm:alg type="sp"/>
-          <dgm:choose name="Name6">
-            <dgm:if name="Name7" func="var" arg="dir" op="equ" val="norm">
-              <dgm:shape xmlns:r="http://schemas.openxmlformats.org/officeDocument/2006/relationships" rot="90" type="corner" r:blip="">
-                <dgm:adjLst>
-                  <dgm:adj idx="1" val="0.1612"/>
-                  <dgm:adj idx="2" val="0.1611"/>
-                </dgm:adjLst>
-              </dgm:shape>
-            </dgm:if>
-            <dgm:else name="Name8">
-              <dgm:shape xmlns:r="http://schemas.openxmlformats.org/officeDocument/2006/relationships" rot="180" type="corner" r:blip="">
-                <dgm:adjLst>
-                  <dgm:adj idx="1" val="0.1612"/>
-                  <dgm:adj idx="2" val="0.1611"/>
-                </dgm:adjLst>
-              </dgm:shape>
-            </dgm:else>
-          </dgm:choose>
-          <dgm:presOf/>
-        </dgm:layoutNode>
-        <dgm:layoutNode name="ParentText" styleLbl="revTx">
+    <dgm:ruleLst/>
+    <dgm:layoutNode name="arrow" styleLbl="bgShp">
+      <dgm:alg type="sp"/>
+      <dgm:choose name="Name0">
+        <dgm:if name="Name1" func="var" arg="dir" op="equ" val="norm">
+          <dgm:shape xmlns:r="http://schemas.openxmlformats.org/officeDocument/2006/relationships" type="rightArrow" r:blip="">
+            <dgm:adjLst/>
+          </dgm:shape>
+        </dgm:if>
+        <dgm:else name="Name2">
+          <dgm:shape xmlns:r="http://schemas.openxmlformats.org/officeDocument/2006/relationships" type="leftArrow" r:blip="">
+            <dgm:adjLst/>
+          </dgm:shape>
+        </dgm:else>
+      </dgm:choose>
+      <dgm:presOf/>
+      <dgm:constrLst/>
+      <dgm:ruleLst/>
+    </dgm:layoutNode>
+    <dgm:layoutNode name="linearProcess">
+      <dgm:choose name="Name3">
+        <dgm:if name="Name4" func="var" arg="dir" op="equ" val="norm">
+          <dgm:alg type="lin"/>
+        </dgm:if>
+        <dgm:else name="Name5">
+          <dgm:alg type="lin">
+            <dgm:param type="linDir" val="fromR"/>
+          </dgm:alg>
+        </dgm:else>
+      </dgm:choose>
+      <dgm:shape xmlns:r="http://schemas.openxmlformats.org/officeDocument/2006/relationships" r:blip="">
+        <dgm:adjLst/>
+      </dgm:shape>
+      <dgm:presOf/>
+      <dgm:constrLst>
+        <dgm:constr type="userA" for="ch" ptType="node" refType="w"/>
+        <dgm:constr type="h" for="ch" ptType="node" refType="h"/>
+        <dgm:constr type="w" for="ch" ptType="node" op="equ"/>
+        <dgm:constr type="w" for="ch" forName="sibTrans" refType="w" fact="0.05"/>
+        <dgm:constr type="primFontSz" for="ch" ptType="node" op="equ" val="65"/>
+      </dgm:constrLst>
+      <dgm:ruleLst/>
+      <dgm:forEach name="Name6" axis="ch" ptType="node">
+        <dgm:layoutNode name="textNode" styleLbl="node1">
           <dgm:varLst>
-            <dgm:chMax val="0"/>
-            <dgm:chPref val="0"/>
             <dgm:bulletEnabled val="1"/>
           </dgm:varLst>
-          <dgm:alg type="tx">
-            <dgm:param type="parTxLTRAlign" val="l"/>
-            <dgm:param type="txAnchorVert" val="t"/>
-          </dgm:alg>
-          <dgm:shape xmlns:r="http://schemas.openxmlformats.org/officeDocument/2006/relationships" type="rect" r:blip="">
+          <dgm:alg type="tx"/>
+          <dgm:shape xmlns:r="http://schemas.openxmlformats.org/officeDocument/2006/relationships" type="roundRect" r:blip="">
             <dgm:adjLst/>
           </dgm:shape>
           <dgm:presOf axis="desOrSelf" ptType="node"/>
           <dgm:constrLst>
+            <dgm:constr type="userA"/>
+            <dgm:constr type="w" refType="userA" fact="0.3"/>
+            <dgm:constr type="tMarg" refType="primFontSz" fact="0.3"/>
+            <dgm:constr type="bMarg" refType="primFontSz" fact="0.3"/>
             <dgm:constr type="lMarg" refType="primFontSz" fact="0.3"/>
             <dgm:constr type="rMarg" refType="primFontSz" fact="0.3"/>
-            <dgm:constr type="tMarg" refType="primFontSz" fact="0.3"/>
-            <dgm:constr type="bMarg" refType="primFontSz" fact="0.3"/>
           </dgm:constrLst>
           <dgm:ruleLst>
+            <dgm:rule type="w" val="NaN" fact="1" max="NaN"/>
             <dgm:rule type="primFontSz" val="5" fact="NaN" max="NaN"/>
           </dgm:ruleLst>
         </dgm:layoutNode>
-        <dgm:choose name="Name9">
-          <dgm:if name="Name10" axis="followSib" ptType="node" func="cnt" op="gte" val="1">
-            <dgm:layoutNode name="Triangle" styleLbl="alignNode1">
-              <dgm:alg type="sp"/>
-              <dgm:choose name="Name11">
-                <dgm:if name="Name12" func="var" arg="dir" op="equ" val="norm">
-                  <dgm:shape xmlns:r="http://schemas.openxmlformats.org/officeDocument/2006/relationships" type="triangle" r:blip="">
-                    <dgm:adjLst>
-                      <dgm:adj idx="1" val="1"/>
-                    </dgm:adjLst>
-                  </dgm:shape>
-                </dgm:if>
-                <dgm:else name="Name13">
-                  <dgm:shape xmlns:r="http://schemas.openxmlformats.org/officeDocument/2006/relationships" rot="90" type="triangle" r:blip="">
-                    <dgm:adjLst>
-                      <dgm:adj idx="1" val="1"/>
-                    </dgm:adjLst>
-                  </dgm:shape>
-                </dgm:else>
-              </dgm:choose>
-              <dgm:presOf/>
-            </dgm:layoutNode>
-          </dgm:if>
-          <dgm:else name="Name14"/>
-        </dgm:choose>
-      </dgm:layoutNode>
-      <dgm:forEach name="sibTransForEach" axis="followSib" ptType="sibTrans" cnt="1">
-        <dgm:layoutNode name="sibTrans">
-          <dgm:alg type="composite">
-            <dgm:param type="ar" val="0.861"/>
-          </dgm:alg>
-          <dgm:constrLst>
-            <dgm:constr type="w" for="ch" forName="space" refType="w"/>
-            <dgm:constr type="h" for="ch" forName="space" refType="w"/>
-          </dgm:constrLst>
-          <dgm:layoutNode name="space" styleLbl="alignNode1">
+        <dgm:forEach name="Name7" axis="followSib" ptType="sibTrans" cnt="1">
+          <dgm:layoutNode name="sibTrans">
             <dgm:alg type="sp"/>
             <dgm:shape xmlns:r="http://schemas.openxmlformats.org/officeDocument/2006/relationships" r:blip="">
               <dgm:adjLst/>
             </dgm:shape>
             <dgm:presOf/>
+            <dgm:constrLst/>
+            <dgm:ruleLst/>
           </dgm:layoutNode>
-        </dgm:layoutNode>
+        </dgm:forEach>
       </dgm:forEach>
-    </dgm:forEach>
+    </dgm:layoutNode>
   </dgm:layoutNode>
 </dgm:layoutDef>
 </file>
 
 <file path=ppt/diagrams/quickStyle1.xml><?xml version="1.0" encoding="utf-8"?>
-<dgm:styleDef xmlns:dgm="http://schemas.openxmlformats.org/drawingml/2006/diagram" xmlns:a="http://schemas.openxmlformats.org/drawingml/2006/main" uniqueId="urn:microsoft.com/office/officeart/2005/8/quickstyle/3d4">
+<dgm:styleDef xmlns:dgm="http://schemas.openxmlformats.org/drawingml/2006/diagram" xmlns:a="http://schemas.openxmlformats.org/drawingml/2006/main" uniqueId="urn:microsoft.com/office/officeart/2005/8/quickstyle/3d3">
   <dgm:title val=""/>
   <dgm:desc val=""/>
   <dgm:catLst>
-    <dgm:cat type="3D" pri="11400"/>
+    <dgm:cat type="3D" pri="11300"/>
   </dgm:catLst>
   <dgm:scene3d>
     <a:camera prst="orthographicFront"/>
@@ -1887,11 +1564,16 @@
   </dgm:scene3d>
   <dgm:styleLbl name="node0">
     <dgm:scene3d>
-      <a:camera prst="orthographicFront"/>
-      <a:lightRig rig="chilly" dir="t"/>
+      <a:camera prst="orthographicFront">
+        <a:rot lat="0" lon="0" rev="0"/>
+      </a:camera>
+      <a:lightRig rig="contrasting" dir="t">
+        <a:rot lat="0" lon="0" rev="1200000"/>
+      </a:lightRig>
     </dgm:scene3d>
-    <dgm:sp3d prstMaterial="translucentPowder">
-      <a:bevelT w="127000" h="25400" prst="softRound"/>
+    <dgm:sp3d contourW="19050" prstMaterial="metal">
+      <a:bevelT w="88900" h="203200"/>
+      <a:bevelB w="165100" h="254000"/>
     </dgm:sp3d>
     <dgm:txPr/>
     <dgm:style>
@@ -1901,7 +1583,7 @@
       <a:fillRef idx="1">
         <a:scrgbClr r="0" g="0" b="0"/>
       </a:fillRef>
-      <a:effectRef idx="0">
+      <a:effectRef idx="1">
         <a:scrgbClr r="0" g="0" b="0"/>
       </a:effectRef>
       <a:fontRef idx="minor">
@@ -1911,11 +1593,16 @@
   </dgm:styleLbl>
   <dgm:styleLbl name="lnNode1">
     <dgm:scene3d>
-      <a:camera prst="orthographicFront"/>
-      <a:lightRig rig="chilly" dir="t"/>
+      <a:camera prst="orthographicFront">
+        <a:rot lat="0" lon="0" rev="0"/>
+      </a:camera>
+      <a:lightRig rig="contrasting" dir="t">
+        <a:rot lat="0" lon="0" rev="1200000"/>
+      </a:lightRig>
     </dgm:scene3d>
-    <dgm:sp3d prstMaterial="translucentPowder">
-      <a:bevelT w="127000" h="25400" prst="softRound"/>
+    <dgm:sp3d contourW="19050" prstMaterial="metal">
+      <a:bevelT w="88900" h="203200"/>
+      <a:bevelB w="165100" h="254000"/>
     </dgm:sp3d>
     <dgm:txPr/>
     <dgm:style>
@@ -1925,7 +1612,7 @@
       <a:fillRef idx="1">
         <a:scrgbClr r="0" g="0" b="0"/>
       </a:fillRef>
-      <a:effectRef idx="0">
+      <a:effectRef idx="1">
         <a:scrgbClr r="0" g="0" b="0"/>
       </a:effectRef>
       <a:fontRef idx="minor">
@@ -1935,11 +1622,16 @@
   </dgm:styleLbl>
   <dgm:styleLbl name="vennNode1">
     <dgm:scene3d>
-      <a:camera prst="orthographicFront"/>
-      <a:lightRig rig="chilly" dir="t"/>
+      <a:camera prst="orthographicFront">
+        <a:rot lat="0" lon="0" rev="0"/>
+      </a:camera>
+      <a:lightRig rig="contrasting" dir="t">
+        <a:rot lat="0" lon="0" rev="1200000"/>
+      </a:lightRig>
     </dgm:scene3d>
-    <dgm:sp3d prstMaterial="translucentPowder">
-      <a:bevelT w="127000" h="25400" prst="softRound"/>
+    <dgm:sp3d contourW="12700" prstMaterial="clear">
+      <a:bevelT w="177800" h="254000"/>
+      <a:bevelB w="152400"/>
     </dgm:sp3d>
     <dgm:txPr/>
     <dgm:style>
@@ -1959,21 +1651,26 @@
   </dgm:styleLbl>
   <dgm:styleLbl name="alignNode1">
     <dgm:scene3d>
-      <a:camera prst="orthographicFront"/>
-      <a:lightRig rig="chilly" dir="t"/>
+      <a:camera prst="orthographicFront">
+        <a:rot lat="0" lon="0" rev="0"/>
+      </a:camera>
+      <a:lightRig rig="contrasting" dir="t">
+        <a:rot lat="0" lon="0" rev="1200000"/>
+      </a:lightRig>
     </dgm:scene3d>
-    <dgm:sp3d prstMaterial="translucentPowder">
-      <a:bevelT w="127000" h="25400" prst="softRound"/>
+    <dgm:sp3d contourW="19050" prstMaterial="metal">
+      <a:bevelT w="88900" h="203200"/>
+      <a:bevelB w="165100" h="254000"/>
     </dgm:sp3d>
     <dgm:txPr/>
     <dgm:style>
-      <a:lnRef idx="1">
+      <a:lnRef idx="0">
         <a:scrgbClr r="0" g="0" b="0"/>
       </a:lnRef>
       <a:fillRef idx="1">
         <a:scrgbClr r="0" g="0" b="0"/>
       </a:fillRef>
-      <a:effectRef idx="0">
+      <a:effectRef idx="2">
         <a:scrgbClr r="0" g="0" b="0"/>
       </a:effectRef>
       <a:fontRef idx="minor">
@@ -1983,11 +1680,16 @@
   </dgm:styleLbl>
   <dgm:styleLbl name="node1">
     <dgm:scene3d>
-      <a:camera prst="orthographicFront"/>
-      <a:lightRig rig="chilly" dir="t"/>
+      <a:camera prst="orthographicFront">
+        <a:rot lat="0" lon="0" rev="0"/>
+      </a:camera>
+      <a:lightRig rig="contrasting" dir="t">
+        <a:rot lat="0" lon="0" rev="1200000"/>
+      </a:lightRig>
     </dgm:scene3d>
-    <dgm:sp3d prstMaterial="translucentPowder">
-      <a:bevelT w="127000" h="25400" prst="softRound"/>
+    <dgm:sp3d contourW="19050" prstMaterial="metal">
+      <a:bevelT w="88900" h="203200"/>
+      <a:bevelB w="165100" h="254000"/>
     </dgm:sp3d>
     <dgm:txPr/>
     <dgm:style>
@@ -1997,7 +1699,7 @@
       <a:fillRef idx="1">
         <a:scrgbClr r="0" g="0" b="0"/>
       </a:fillRef>
-      <a:effectRef idx="0">
+      <a:effectRef idx="2">
         <a:scrgbClr r="0" g="0" b="0"/>
       </a:effectRef>
       <a:fontRef idx="minor">
@@ -2007,11 +1709,16 @@
   </dgm:styleLbl>
   <dgm:styleLbl name="node2">
     <dgm:scene3d>
-      <a:camera prst="orthographicFront"/>
-      <a:lightRig rig="chilly" dir="t"/>
+      <a:camera prst="orthographicFront">
+        <a:rot lat="0" lon="0" rev="0"/>
+      </a:camera>
+      <a:lightRig rig="contrasting" dir="t">
+        <a:rot lat="0" lon="0" rev="1200000"/>
+      </a:lightRig>
     </dgm:scene3d>
-    <dgm:sp3d prstMaterial="translucentPowder">
-      <a:bevelT w="127000" h="25400" prst="softRound"/>
+    <dgm:sp3d contourW="19050" prstMaterial="metal">
+      <a:bevelT w="88900" h="203200"/>
+      <a:bevelB w="165100" h="254000"/>
     </dgm:sp3d>
     <dgm:txPr/>
     <dgm:style>
@@ -2021,7 +1728,7 @@
       <a:fillRef idx="1">
         <a:scrgbClr r="0" g="0" b="0"/>
       </a:fillRef>
-      <a:effectRef idx="0">
+      <a:effectRef idx="1">
         <a:scrgbClr r="0" g="0" b="0"/>
       </a:effectRef>
       <a:fontRef idx="minor">
@@ -2031,11 +1738,16 @@
   </dgm:styleLbl>
   <dgm:styleLbl name="node3">
     <dgm:scene3d>
-      <a:camera prst="orthographicFront"/>
-      <a:lightRig rig="chilly" dir="t"/>
+      <a:camera prst="orthographicFront">
+        <a:rot lat="0" lon="0" rev="0"/>
+      </a:camera>
+      <a:lightRig rig="contrasting" dir="t">
+        <a:rot lat="0" lon="0" rev="1200000"/>
+      </a:lightRig>
     </dgm:scene3d>
-    <dgm:sp3d prstMaterial="translucentPowder">
-      <a:bevelT w="127000" h="25400" prst="softRound"/>
+    <dgm:sp3d contourW="19050" prstMaterial="metal">
+      <a:bevelT w="88900" h="203200"/>
+      <a:bevelB w="165100" h="254000"/>
     </dgm:sp3d>
     <dgm:txPr/>
     <dgm:style>
@@ -2045,7 +1757,7 @@
       <a:fillRef idx="1">
         <a:scrgbClr r="0" g="0" b="0"/>
       </a:fillRef>
-      <a:effectRef idx="0">
+      <a:effectRef idx="1">
         <a:scrgbClr r="0" g="0" b="0"/>
       </a:effectRef>
       <a:fontRef idx="minor">
@@ -2055,11 +1767,16 @@
   </dgm:styleLbl>
   <dgm:styleLbl name="node4">
     <dgm:scene3d>
-      <a:camera prst="orthographicFront"/>
-      <a:lightRig rig="chilly" dir="t"/>
+      <a:camera prst="orthographicFront">
+        <a:rot lat="0" lon="0" rev="0"/>
+      </a:camera>
+      <a:lightRig rig="contrasting" dir="t">
+        <a:rot lat="0" lon="0" rev="1200000"/>
+      </a:lightRig>
     </dgm:scene3d>
-    <dgm:sp3d prstMaterial="translucentPowder">
-      <a:bevelT w="127000" h="25400" prst="softRound"/>
+    <dgm:sp3d contourW="19050" prstMaterial="metal">
+      <a:bevelT w="88900" h="203200"/>
+      <a:bevelB w="165100" h="254000"/>
     </dgm:sp3d>
     <dgm:txPr/>
     <dgm:style>
@@ -2069,7 +1786,7 @@
       <a:fillRef idx="1">
         <a:scrgbClr r="0" g="0" b="0"/>
       </a:fillRef>
-      <a:effectRef idx="0">
+      <a:effectRef idx="1">
         <a:scrgbClr r="0" g="0" b="0"/>
       </a:effectRef>
       <a:fontRef idx="minor">
@@ -2079,12 +1796,16 @@
   </dgm:styleLbl>
   <dgm:styleLbl name="fgImgPlace1">
     <dgm:scene3d>
-      <a:camera prst="orthographicFront"/>
-      <a:lightRig rig="chilly" dir="t"/>
+      <a:camera prst="orthographicFront">
+        <a:rot lat="0" lon="0" rev="0"/>
+      </a:camera>
+      <a:lightRig rig="contrasting" dir="t">
+        <a:rot lat="0" lon="0" rev="1200000"/>
+      </a:lightRig>
     </dgm:scene3d>
-    <dgm:sp3d z="12700" extrusionH="12700" prstMaterial="translucentPowder">
-      <a:bevelT w="25400" h="6350" prst="softRound"/>
-      <a:bevelB w="0" h="0" prst="convex"/>
+    <dgm:sp3d z="300000" contourW="19050" prstMaterial="metal">
+      <a:bevelT w="88900" h="203200"/>
+      <a:bevelB w="165100" h="254000"/>
     </dgm:sp3d>
     <dgm:txPr/>
     <dgm:style>
@@ -2094,7 +1815,7 @@
       <a:fillRef idx="1">
         <a:scrgbClr r="0" g="0" b="0"/>
       </a:fillRef>
-      <a:effectRef idx="0">
+      <a:effectRef idx="1">
         <a:scrgbClr r="0" g="0" b="0"/>
       </a:effectRef>
       <a:fontRef idx="minor"/>
@@ -2102,11 +1823,70 @@
   </dgm:styleLbl>
   <dgm:styleLbl name="alignImgPlace1">
     <dgm:scene3d>
-      <a:camera prst="orthographicFront"/>
-      <a:lightRig rig="chilly" dir="t"/>
+      <a:camera prst="orthographicFront">
+        <a:rot lat="0" lon="0" rev="0"/>
+      </a:camera>
+      <a:lightRig rig="contrasting" dir="t">
+        <a:rot lat="0" lon="0" rev="1200000"/>
+      </a:lightRig>
     </dgm:scene3d>
-    <dgm:sp3d prstMaterial="translucentPowder">
-      <a:bevelT w="127000" h="25400" prst="softRound"/>
+    <dgm:sp3d contourW="12700" prstMaterial="flat">
+      <a:bevelT w="177800" h="254000"/>
+      <a:bevelB w="152400"/>
+    </dgm:sp3d>
+    <dgm:txPr/>
+    <dgm:style>
+      <a:lnRef idx="0">
+        <a:scrgbClr r="0" g="0" b="0"/>
+      </a:lnRef>
+      <a:fillRef idx="1">
+        <a:scrgbClr r="0" g="0" b="0"/>
+      </a:fillRef>
+      <a:effectRef idx="1">
+        <a:scrgbClr r="0" g="0" b="0"/>
+      </a:effectRef>
+      <a:fontRef idx="minor"/>
+    </dgm:style>
+  </dgm:styleLbl>
+  <dgm:styleLbl name="bgImgPlace1">
+    <dgm:scene3d>
+      <a:camera prst="orthographicFront">
+        <a:rot lat="0" lon="0" rev="0"/>
+      </a:camera>
+      <a:lightRig rig="contrasting" dir="t">
+        <a:rot lat="0" lon="0" rev="1200000"/>
+      </a:lightRig>
+    </dgm:scene3d>
+    <dgm:sp3d z="-300000" contourW="19050" prstMaterial="metal">
+      <a:bevelT w="88900" h="203200"/>
+      <a:bevelB w="165100" h="254000"/>
+    </dgm:sp3d>
+    <dgm:txPr/>
+    <dgm:style>
+      <a:lnRef idx="0">
+        <a:scrgbClr r="0" g="0" b="0"/>
+      </a:lnRef>
+      <a:fillRef idx="1">
+        <a:scrgbClr r="0" g="0" b="0"/>
+      </a:fillRef>
+      <a:effectRef idx="1">
+        <a:scrgbClr r="0" g="0" b="0"/>
+      </a:effectRef>
+      <a:fontRef idx="minor"/>
+    </dgm:style>
+  </dgm:styleLbl>
+  <dgm:styleLbl name="sibTrans2D1">
+    <dgm:scene3d>
+      <a:camera prst="orthographicFront">
+        <a:rot lat="0" lon="0" rev="0"/>
+      </a:camera>
+      <a:lightRig rig="contrasting" dir="t">
+        <a:rot lat="0" lon="0" rev="1200000"/>
+      </a:lightRig>
+    </dgm:scene3d>
+    <dgm:sp3d z="-182000" contourW="19050" prstMaterial="metal">
+      <a:bevelT w="88900" h="203200"/>
+      <a:bevelB w="165100" h="254000"/>
     </dgm:sp3d>
     <dgm:txPr/>
     <dgm:style>
@@ -2124,15 +1904,18 @@
       </a:fontRef>
     </dgm:style>
   </dgm:styleLbl>
-  <dgm:styleLbl name="bgImgPlace1">
+  <dgm:styleLbl name="fgSibTrans2D1">
     <dgm:scene3d>
-      <a:camera prst="orthographicFront"/>
-      <a:lightRig rig="chilly" dir="t"/>
+      <a:camera prst="orthographicFront">
+        <a:rot lat="0" lon="0" rev="0"/>
+      </a:camera>
+      <a:lightRig rig="contrasting" dir="t">
+        <a:rot lat="0" lon="0" rev="1200000"/>
+      </a:lightRig>
     </dgm:scene3d>
-    <dgm:sp3d z="-25700" extrusionH="63500" contourW="12700" prstMaterial="matte">
-      <a:contourClr>
-        <a:schemeClr val="lt1"/>
-      </a:contourClr>
+    <dgm:sp3d z="300000" contourW="19050" prstMaterial="metal">
+      <a:bevelT w="88900" h="203200"/>
+      <a:bevelB w="165100" h="254000"/>
     </dgm:sp3d>
     <dgm:txPr/>
     <dgm:style>
@@ -2148,14 +1931,18 @@
       <a:fontRef idx="minor"/>
     </dgm:style>
   </dgm:styleLbl>
-  <dgm:styleLbl name="sibTrans2D1">
+  <dgm:styleLbl name="bgSibTrans2D1">
     <dgm:scene3d>
-      <a:camera prst="orthographicFront"/>
-      <a:lightRig rig="chilly" dir="t"/>
+      <a:camera prst="orthographicFront">
+        <a:rot lat="0" lon="0" rev="0"/>
+      </a:camera>
+      <a:lightRig rig="contrasting" dir="t">
+        <a:rot lat="0" lon="0" rev="1200000"/>
+      </a:lightRig>
     </dgm:scene3d>
-    <dgm:sp3d z="-70000" extrusionH="1700" prstMaterial="translucentPowder">
-      <a:bevelT w="25400" h="6350" prst="softRound"/>
-      <a:bevelB w="0" h="0" prst="convex"/>
+    <dgm:sp3d z="-300000" contourW="19050" prstMaterial="metal">
+      <a:bevelT w="88900" h="203200"/>
+      <a:bevelB w="165100" h="254000"/>
     </dgm:sp3d>
     <dgm:txPr/>
     <dgm:style>
@@ -2166,6 +1953,81 @@
         <a:scrgbClr r="0" g="0" b="0"/>
       </a:fillRef>
       <a:effectRef idx="0">
+        <a:scrgbClr r="0" g="0" b="0"/>
+      </a:effectRef>
+      <a:fontRef idx="minor"/>
+    </dgm:style>
+  </dgm:styleLbl>
+  <dgm:styleLbl name="sibTrans1D1">
+    <dgm:scene3d>
+      <a:camera prst="orthographicFront">
+        <a:rot lat="0" lon="0" rev="0"/>
+      </a:camera>
+      <a:lightRig rig="contrasting" dir="t">
+        <a:rot lat="0" lon="0" rev="1200000"/>
+      </a:lightRig>
+    </dgm:scene3d>
+    <dgm:sp3d z="-110000"/>
+    <dgm:txPr/>
+    <dgm:style>
+      <a:lnRef idx="1">
+        <a:scrgbClr r="0" g="0" b="0"/>
+      </a:lnRef>
+      <a:fillRef idx="0">
+        <a:scrgbClr r="0" g="0" b="0"/>
+      </a:fillRef>
+      <a:effectRef idx="0">
+        <a:scrgbClr r="0" g="0" b="0"/>
+      </a:effectRef>
+      <a:fontRef idx="minor"/>
+    </dgm:style>
+  </dgm:styleLbl>
+  <dgm:styleLbl name="callout">
+    <dgm:scene3d>
+      <a:camera prst="orthographicFront">
+        <a:rot lat="0" lon="0" rev="0"/>
+      </a:camera>
+      <a:lightRig rig="contrasting" dir="t">
+        <a:rot lat="0" lon="0" rev="1200000"/>
+      </a:lightRig>
+    </dgm:scene3d>
+    <dgm:sp3d z="10000"/>
+    <dgm:txPr/>
+    <dgm:style>
+      <a:lnRef idx="2">
+        <a:scrgbClr r="0" g="0" b="0"/>
+      </a:lnRef>
+      <a:fillRef idx="1">
+        <a:scrgbClr r="0" g="0" b="0"/>
+      </a:fillRef>
+      <a:effectRef idx="0">
+        <a:scrgbClr r="0" g="0" b="0"/>
+      </a:effectRef>
+      <a:fontRef idx="minor"/>
+    </dgm:style>
+  </dgm:styleLbl>
+  <dgm:styleLbl name="asst0">
+    <dgm:scene3d>
+      <a:camera prst="orthographicFront">
+        <a:rot lat="0" lon="0" rev="0"/>
+      </a:camera>
+      <a:lightRig rig="contrasting" dir="t">
+        <a:rot lat="0" lon="0" rev="1200000"/>
+      </a:lightRig>
+    </dgm:scene3d>
+    <dgm:sp3d contourW="19050" prstMaterial="metal">
+      <a:bevelT w="88900" h="203200"/>
+      <a:bevelB w="165100" h="254000"/>
+    </dgm:sp3d>
+    <dgm:txPr/>
+    <dgm:style>
+      <a:lnRef idx="0">
+        <a:scrgbClr r="0" g="0" b="0"/>
+      </a:lnRef>
+      <a:fillRef idx="1">
+        <a:scrgbClr r="0" g="0" b="0"/>
+      </a:fillRef>
+      <a:effectRef idx="1">
         <a:scrgbClr r="0" g="0" b="0"/>
       </a:effectRef>
       <a:fontRef idx="minor">
@@ -2173,14 +2035,18 @@
       </a:fontRef>
     </dgm:style>
   </dgm:styleLbl>
-  <dgm:styleLbl name="fgSibTrans2D1">
+  <dgm:styleLbl name="asst1">
     <dgm:scene3d>
-      <a:camera prst="orthographicFront"/>
-      <a:lightRig rig="chilly" dir="t"/>
+      <a:camera prst="orthographicFront">
+        <a:rot lat="0" lon="0" rev="0"/>
+      </a:camera>
+      <a:lightRig rig="contrasting" dir="t">
+        <a:rot lat="0" lon="0" rev="1200000"/>
+      </a:lightRig>
     </dgm:scene3d>
-    <dgm:sp3d z="12700" extrusionH="1700" prstMaterial="translucentPowder">
-      <a:bevelT w="25400" h="6350" prst="softRound"/>
-      <a:bevelB w="0" h="0" prst="convex"/>
+    <dgm:sp3d contourW="19050" prstMaterial="metal">
+      <a:bevelT w="88900" h="203200"/>
+      <a:bevelB w="165100" h="254000"/>
     </dgm:sp3d>
     <dgm:txPr/>
     <dgm:style>
@@ -2190,92 +2056,7 @@
       <a:fillRef idx="1">
         <a:scrgbClr r="0" g="0" b="0"/>
       </a:fillRef>
-      <a:effectRef idx="0">
-        <a:scrgbClr r="0" g="0" b="0"/>
-      </a:effectRef>
-      <a:fontRef idx="minor"/>
-    </dgm:style>
-  </dgm:styleLbl>
-  <dgm:styleLbl name="bgSibTrans2D1">
-    <dgm:scene3d>
-      <a:camera prst="orthographicFront"/>
-      <a:lightRig rig="chilly" dir="t"/>
-    </dgm:scene3d>
-    <dgm:sp3d z="-25700" extrusionH="1700" prstMaterial="translucentPowder">
-      <a:bevelT w="25400" h="6350" prst="softRound"/>
-      <a:bevelB w="0" h="0" prst="convex"/>
-    </dgm:sp3d>
-    <dgm:txPr/>
-    <dgm:style>
-      <a:lnRef idx="0">
-        <a:scrgbClr r="0" g="0" b="0"/>
-      </a:lnRef>
-      <a:fillRef idx="1">
-        <a:scrgbClr r="0" g="0" b="0"/>
-      </a:fillRef>
-      <a:effectRef idx="0">
-        <a:scrgbClr r="0" g="0" b="0"/>
-      </a:effectRef>
-      <a:fontRef idx="minor"/>
-    </dgm:style>
-  </dgm:styleLbl>
-  <dgm:styleLbl name="sibTrans1D1">
-    <dgm:scene3d>
-      <a:camera prst="orthographicFront"/>
-      <a:lightRig rig="chilly" dir="t"/>
-    </dgm:scene3d>
-    <dgm:sp3d z="-40000" prstMaterial="matte"/>
-    <dgm:txPr/>
-    <dgm:style>
-      <a:lnRef idx="1">
-        <a:scrgbClr r="0" g="0" b="0"/>
-      </a:lnRef>
-      <a:fillRef idx="0">
-        <a:scrgbClr r="0" g="0" b="0"/>
-      </a:fillRef>
-      <a:effectRef idx="0">
-        <a:scrgbClr r="0" g="0" b="0"/>
-      </a:effectRef>
-      <a:fontRef idx="minor"/>
-    </dgm:style>
-  </dgm:styleLbl>
-  <dgm:styleLbl name="callout">
-    <dgm:scene3d>
-      <a:camera prst="orthographicFront"/>
-      <a:lightRig rig="chilly" dir="t"/>
-    </dgm:scene3d>
-    <dgm:sp3d z="127000" prstMaterial="matte"/>
-    <dgm:txPr/>
-    <dgm:style>
-      <a:lnRef idx="2">
-        <a:scrgbClr r="0" g="0" b="0"/>
-      </a:lnRef>
-      <a:fillRef idx="1">
-        <a:scrgbClr r="0" g="0" b="0"/>
-      </a:fillRef>
-      <a:effectRef idx="0">
-        <a:scrgbClr r="0" g="0" b="0"/>
-      </a:effectRef>
-      <a:fontRef idx="minor"/>
-    </dgm:style>
-  </dgm:styleLbl>
-  <dgm:styleLbl name="asst0">
-    <dgm:scene3d>
-      <a:camera prst="orthographicFront"/>
-      <a:lightRig rig="chilly" dir="t"/>
-    </dgm:scene3d>
-    <dgm:sp3d prstMaterial="translucentPowder">
-      <a:bevelT w="127000" h="25400" prst="softRound"/>
-    </dgm:sp3d>
-    <dgm:txPr/>
-    <dgm:style>
-      <a:lnRef idx="0">
-        <a:scrgbClr r="0" g="0" b="0"/>
-      </a:lnRef>
-      <a:fillRef idx="1">
-        <a:scrgbClr r="0" g="0" b="0"/>
-      </a:fillRef>
-      <a:effectRef idx="0">
+      <a:effectRef idx="1">
         <a:scrgbClr r="0" g="0" b="0"/>
       </a:effectRef>
       <a:fontRef idx="minor">
@@ -2283,13 +2064,18 @@
       </a:fontRef>
     </dgm:style>
   </dgm:styleLbl>
-  <dgm:styleLbl name="asst1">
+  <dgm:styleLbl name="asst2">
     <dgm:scene3d>
-      <a:camera prst="orthographicFront"/>
-      <a:lightRig rig="chilly" dir="t"/>
+      <a:camera prst="orthographicFront">
+        <a:rot lat="0" lon="0" rev="0"/>
+      </a:camera>
+      <a:lightRig rig="contrasting" dir="t">
+        <a:rot lat="0" lon="0" rev="1200000"/>
+      </a:lightRig>
     </dgm:scene3d>
-    <dgm:sp3d prstMaterial="translucentPowder">
-      <a:bevelT w="127000" h="25400" prst="softRound"/>
+    <dgm:sp3d contourW="19050" prstMaterial="metal">
+      <a:bevelT w="88900" h="203200"/>
+      <a:bevelB w="165100" h="254000"/>
     </dgm:sp3d>
     <dgm:txPr/>
     <dgm:style>
@@ -2299,7 +2085,7 @@
       <a:fillRef idx="1">
         <a:scrgbClr r="0" g="0" b="0"/>
       </a:fillRef>
-      <a:effectRef idx="0">
+      <a:effectRef idx="1">
         <a:scrgbClr r="0" g="0" b="0"/>
       </a:effectRef>
       <a:fontRef idx="minor">
@@ -2307,13 +2093,18 @@
       </a:fontRef>
     </dgm:style>
   </dgm:styleLbl>
-  <dgm:styleLbl name="asst2">
+  <dgm:styleLbl name="asst3">
     <dgm:scene3d>
-      <a:camera prst="orthographicFront"/>
-      <a:lightRig rig="chilly" dir="t"/>
+      <a:camera prst="orthographicFront">
+        <a:rot lat="0" lon="0" rev="0"/>
+      </a:camera>
+      <a:lightRig rig="contrasting" dir="t">
+        <a:rot lat="0" lon="0" rev="1200000"/>
+      </a:lightRig>
     </dgm:scene3d>
-    <dgm:sp3d prstMaterial="translucentPowder">
-      <a:bevelT w="127000" h="25400" prst="softRound"/>
+    <dgm:sp3d contourW="19050" prstMaterial="metal">
+      <a:bevelT w="88900" h="203200"/>
+      <a:bevelB w="165100" h="254000"/>
     </dgm:sp3d>
     <dgm:txPr/>
     <dgm:style>
@@ -2323,7 +2114,7 @@
       <a:fillRef idx="1">
         <a:scrgbClr r="0" g="0" b="0"/>
       </a:fillRef>
-      <a:effectRef idx="0">
+      <a:effectRef idx="1">
         <a:scrgbClr r="0" g="0" b="0"/>
       </a:effectRef>
       <a:fontRef idx="minor">
@@ -2331,13 +2122,14 @@
       </a:fontRef>
     </dgm:style>
   </dgm:styleLbl>
-  <dgm:styleLbl name="asst3">
+  <dgm:styleLbl name="asst4">
     <dgm:scene3d>
       <a:camera prst="orthographicFront"/>
-      <a:lightRig rig="chilly" dir="t"/>
+      <a:lightRig rig="threePt" dir="t"/>
     </dgm:scene3d>
-    <dgm:sp3d prstMaterial="translucentPowder">
-      <a:bevelT w="127000" h="25400" prst="softRound"/>
+    <dgm:sp3d contourW="19050" prstMaterial="metal">
+      <a:bevelT w="88900" h="203200"/>
+      <a:bevelB w="165100" h="254000"/>
     </dgm:sp3d>
     <dgm:txPr/>
     <dgm:style>
@@ -2347,7 +2139,7 @@
       <a:fillRef idx="1">
         <a:scrgbClr r="0" g="0" b="0"/>
       </a:fillRef>
-      <a:effectRef idx="0">
+      <a:effectRef idx="1">
         <a:scrgbClr r="0" g="0" b="0"/>
       </a:effectRef>
       <a:fontRef idx="minor">
@@ -2357,12 +2149,16 @@
   </dgm:styleLbl>
   <dgm:styleLbl name="parChTrans2D1">
     <dgm:scene3d>
-      <a:camera prst="orthographicFront"/>
-      <a:lightRig rig="chilly" dir="t"/>
+      <a:camera prst="orthographicFront">
+        <a:rot lat="0" lon="0" rev="0"/>
+      </a:camera>
+      <a:lightRig rig="contrasting" dir="t">
+        <a:rot lat="0" lon="0" rev="1200000"/>
+      </a:lightRig>
     </dgm:scene3d>
-    <dgm:sp3d z="1700" extrusionH="1700" prstMaterial="translucentPowder">
-      <a:bevelT w="25400" h="6350" prst="softRound"/>
-      <a:bevelB w="0" h="0" prst="convex"/>
+    <dgm:sp3d contourW="19050" prstMaterial="metal">
+      <a:bevelT w="88900" h="203200"/>
+      <a:bevelB w="165100" h="254000"/>
     </dgm:sp3d>
     <dgm:txPr/>
     <dgm:style>
@@ -2380,12 +2176,16 @@
   </dgm:styleLbl>
   <dgm:styleLbl name="parChTrans2D2">
     <dgm:scene3d>
-      <a:camera prst="orthographicFront"/>
-      <a:lightRig rig="chilly" dir="t"/>
+      <a:camera prst="orthographicFront">
+        <a:rot lat="0" lon="0" rev="0"/>
+      </a:camera>
+      <a:lightRig rig="contrasting" dir="t">
+        <a:rot lat="0" lon="0" rev="1200000"/>
+      </a:lightRig>
     </dgm:scene3d>
-    <dgm:sp3d z="1700" extrusionH="1700" prstMaterial="translucentPowder">
-      <a:bevelT w="25400" h="6350" prst="softRound"/>
-      <a:bevelB w="0" h="0" prst="convex"/>
+    <dgm:sp3d contourW="19050" prstMaterial="metal">
+      <a:bevelT w="88900" h="203200"/>
+      <a:bevelB w="165100" h="254000"/>
     </dgm:sp3d>
     <dgm:txPr/>
     <dgm:style>
@@ -2403,12 +2203,16 @@
   </dgm:styleLbl>
   <dgm:styleLbl name="parChTrans2D3">
     <dgm:scene3d>
-      <a:camera prst="orthographicFront"/>
-      <a:lightRig rig="chilly" dir="t"/>
+      <a:camera prst="orthographicFront">
+        <a:rot lat="0" lon="0" rev="0"/>
+      </a:camera>
+      <a:lightRig rig="contrasting" dir="t">
+        <a:rot lat="0" lon="0" rev="1200000"/>
+      </a:lightRig>
     </dgm:scene3d>
-    <dgm:sp3d extrusionH="1700" prstMaterial="translucentPowder">
-      <a:bevelT w="25400" h="6350" prst="softRound"/>
-      <a:bevelB w="0" h="0" prst="convex"/>
+    <dgm:sp3d contourW="19050" prstMaterial="metal">
+      <a:bevelT w="88900" h="203200"/>
+      <a:bevelB w="165100" h="254000"/>
     </dgm:sp3d>
     <dgm:txPr/>
     <dgm:style>
@@ -2426,12 +2230,16 @@
   </dgm:styleLbl>
   <dgm:styleLbl name="parChTrans2D4">
     <dgm:scene3d>
-      <a:camera prst="orthographicFront"/>
-      <a:lightRig rig="chilly" dir="t"/>
+      <a:camera prst="orthographicFront">
+        <a:rot lat="0" lon="0" rev="0"/>
+      </a:camera>
+      <a:lightRig rig="contrasting" dir="t">
+        <a:rot lat="0" lon="0" rev="1200000"/>
+      </a:lightRig>
     </dgm:scene3d>
-    <dgm:sp3d extrusionH="1700" prstMaterial="translucentPowder">
-      <a:bevelT w="25400" h="6350" prst="softRound"/>
-      <a:bevelB w="0" h="0" prst="convex"/>
+    <dgm:sp3d contourW="19050" prstMaterial="metal">
+      <a:bevelT w="88900" h="203200"/>
+      <a:bevelB w="165100" h="254000"/>
     </dgm:sp3d>
     <dgm:txPr/>
     <dgm:style>
@@ -2449,10 +2257,14 @@
   </dgm:styleLbl>
   <dgm:styleLbl name="parChTrans1D1">
     <dgm:scene3d>
-      <a:camera prst="orthographicFront"/>
-      <a:lightRig rig="chilly" dir="t"/>
+      <a:camera prst="orthographicFront">
+        <a:rot lat="0" lon="0" rev="0"/>
+      </a:camera>
+      <a:lightRig rig="contrasting" dir="t">
+        <a:rot lat="0" lon="0" rev="1200000"/>
+      </a:lightRig>
     </dgm:scene3d>
-    <dgm:sp3d z="-40000" prstMaterial="matte"/>
+    <dgm:sp3d z="-110000"/>
     <dgm:txPr/>
     <dgm:style>
       <a:lnRef idx="2">
@@ -2469,10 +2281,14 @@
   </dgm:styleLbl>
   <dgm:styleLbl name="parChTrans1D2">
     <dgm:scene3d>
-      <a:camera prst="orthographicFront"/>
-      <a:lightRig rig="threePt" dir="t"/>
+      <a:camera prst="orthographicFront">
+        <a:rot lat="0" lon="0" rev="0"/>
+      </a:camera>
+      <a:lightRig rig="contrasting" dir="t">
+        <a:rot lat="0" lon="0" rev="1200000"/>
+      </a:lightRig>
     </dgm:scene3d>
-    <dgm:sp3d z="-40000" prstMaterial="matte"/>
+    <dgm:sp3d z="-110000"/>
     <dgm:txPr/>
     <dgm:style>
       <a:lnRef idx="2">
@@ -2489,10 +2305,14 @@
   </dgm:styleLbl>
   <dgm:styleLbl name="parChTrans1D3">
     <dgm:scene3d>
-      <a:camera prst="orthographicFront"/>
-      <a:lightRig rig="chilly" dir="t"/>
+      <a:camera prst="orthographicFront">
+        <a:rot lat="0" lon="0" rev="0"/>
+      </a:camera>
+      <a:lightRig rig="contrasting" dir="t">
+        <a:rot lat="0" lon="0" rev="1200000"/>
+      </a:lightRig>
     </dgm:scene3d>
-    <dgm:sp3d z="-40000" prstMaterial="matte"/>
+    <dgm:sp3d z="-110000"/>
     <dgm:txPr/>
     <dgm:style>
       <a:lnRef idx="2">
@@ -2509,10 +2329,14 @@
   </dgm:styleLbl>
   <dgm:styleLbl name="parChTrans1D4">
     <dgm:scene3d>
-      <a:camera prst="orthographicFront"/>
-      <a:lightRig rig="chilly" dir="t"/>
+      <a:camera prst="orthographicFront">
+        <a:rot lat="0" lon="0" rev="0"/>
+      </a:camera>
+      <a:lightRig rig="contrasting" dir="t">
+        <a:rot lat="0" lon="0" rev="1200000"/>
+      </a:lightRig>
     </dgm:scene3d>
-    <dgm:sp3d z="-40000" prstMaterial="matte"/>
+    <dgm:sp3d z="-110000"/>
     <dgm:txPr/>
     <dgm:style>
       <a:lnRef idx="2">
@@ -2529,358 +2353,16 @@
   </dgm:styleLbl>
   <dgm:styleLbl name="fgAcc1">
     <dgm:scene3d>
-      <a:camera prst="orthographicFront"/>
-      <a:lightRig rig="chilly" dir="t"/>
+      <a:camera prst="orthographicFront">
+        <a:rot lat="0" lon="0" rev="0"/>
+      </a:camera>
+      <a:lightRig rig="contrasting" dir="t">
+        <a:rot lat="0" lon="0" rev="1200000"/>
+      </a:lightRig>
     </dgm:scene3d>
-    <dgm:sp3d z="12700" extrusionH="1700" prstMaterial="dkEdge">
-      <a:bevelT w="25400" h="6350" prst="softRound"/>
-      <a:bevelB w="0" h="0" prst="convex"/>
-    </dgm:sp3d>
-    <dgm:txPr/>
-    <dgm:style>
-      <a:lnRef idx="1">
-        <a:scrgbClr r="0" g="0" b="0"/>
-      </a:lnRef>
-      <a:fillRef idx="1">
-        <a:scrgbClr r="0" g="0" b="0"/>
-      </a:fillRef>
-      <a:effectRef idx="0">
-        <a:scrgbClr r="0" g="0" b="0"/>
-      </a:effectRef>
-      <a:fontRef idx="minor"/>
-    </dgm:style>
-  </dgm:styleLbl>
-  <dgm:styleLbl name="conFgAcc1">
-    <dgm:scene3d>
-      <a:camera prst="orthographicFront"/>
-      <a:lightRig rig="chilly" dir="t"/>
-    </dgm:scene3d>
-    <dgm:sp3d z="12700" extrusionH="1700" prstMaterial="dkEdge">
-      <a:bevelT w="25400" h="6350" prst="softRound"/>
-      <a:bevelB w="0" h="0" prst="convex"/>
-    </dgm:sp3d>
-    <dgm:txPr/>
-    <dgm:style>
-      <a:lnRef idx="1">
-        <a:scrgbClr r="0" g="0" b="0"/>
-      </a:lnRef>
-      <a:fillRef idx="1">
-        <a:scrgbClr r="0" g="0" b="0"/>
-      </a:fillRef>
-      <a:effectRef idx="0">
-        <a:scrgbClr r="0" g="0" b="0"/>
-      </a:effectRef>
-      <a:fontRef idx="minor"/>
-    </dgm:style>
-  </dgm:styleLbl>
-  <dgm:styleLbl name="alignAcc1">
-    <dgm:scene3d>
-      <a:camera prst="orthographicFront"/>
-      <a:lightRig rig="chilly" dir="t"/>
-    </dgm:scene3d>
-    <dgm:sp3d prstMaterial="dkEdge">
-      <a:bevelT w="25400" h="6350" prst="softRound"/>
-      <a:bevelB w="0" h="0" prst="convex"/>
-    </dgm:sp3d>
-    <dgm:txPr/>
-    <dgm:style>
-      <a:lnRef idx="1">
-        <a:scrgbClr r="0" g="0" b="0"/>
-      </a:lnRef>
-      <a:fillRef idx="1">
-        <a:scrgbClr r="0" g="0" b="0"/>
-      </a:fillRef>
-      <a:effectRef idx="0">
-        <a:scrgbClr r="0" g="0" b="0"/>
-      </a:effectRef>
-      <a:fontRef idx="minor"/>
-    </dgm:style>
-  </dgm:styleLbl>
-  <dgm:styleLbl name="trAlignAcc1">
-    <dgm:scene3d>
-      <a:camera prst="orthographicFront"/>
-      <a:lightRig rig="chilly" dir="t"/>
-    </dgm:scene3d>
-    <dgm:sp3d prstMaterial="dkEdge">
-      <a:bevelT w="127000" h="25400"/>
-    </dgm:sp3d>
-    <dgm:txPr/>
-    <dgm:style>
-      <a:lnRef idx="1">
-        <a:scrgbClr r="0" g="0" b="0"/>
-      </a:lnRef>
-      <a:fillRef idx="1">
-        <a:scrgbClr r="0" g="0" b="0"/>
-      </a:fillRef>
-      <a:effectRef idx="0">
-        <a:scrgbClr r="0" g="0" b="0"/>
-      </a:effectRef>
-      <a:fontRef idx="minor">
-        <a:schemeClr val="lt1"/>
-      </a:fontRef>
-    </dgm:style>
-  </dgm:styleLbl>
-  <dgm:styleLbl name="bgAcc1">
-    <dgm:scene3d>
-      <a:camera prst="orthographicFront"/>
-      <a:lightRig rig="chilly" dir="t"/>
-    </dgm:scene3d>
-    <dgm:sp3d z="-12700" extrusionH="1700" prstMaterial="dkEdge">
-      <a:bevelT w="25400" h="6350" prst="softRound"/>
-      <a:bevelB w="0" h="0" prst="convex"/>
-    </dgm:sp3d>
-    <dgm:txPr/>
-    <dgm:style>
-      <a:lnRef idx="1">
-        <a:scrgbClr r="0" g="0" b="0"/>
-      </a:lnRef>
-      <a:fillRef idx="1">
-        <a:scrgbClr r="0" g="0" b="0"/>
-      </a:fillRef>
-      <a:effectRef idx="0">
-        <a:scrgbClr r="0" g="0" b="0"/>
-      </a:effectRef>
-      <a:fontRef idx="minor"/>
-    </dgm:style>
-  </dgm:styleLbl>
-  <dgm:styleLbl name="solidFgAcc1">
-    <dgm:scene3d>
-      <a:camera prst="orthographicFront"/>
-      <a:lightRig rig="chilly" dir="t"/>
-    </dgm:scene3d>
-    <dgm:sp3d z="12700" extrusionH="1700" prstMaterial="dkEdge">
-      <a:bevelT w="25400" h="6350" prst="softRound"/>
-      <a:bevelB w="0" h="0" prst="convex"/>
-    </dgm:sp3d>
-    <dgm:txPr/>
-    <dgm:style>
-      <a:lnRef idx="1">
-        <a:scrgbClr r="0" g="0" b="0"/>
-      </a:lnRef>
-      <a:fillRef idx="1">
-        <a:scrgbClr r="0" g="0" b="0"/>
-      </a:fillRef>
-      <a:effectRef idx="0">
-        <a:scrgbClr r="0" g="0" b="0"/>
-      </a:effectRef>
-      <a:fontRef idx="minor"/>
-    </dgm:style>
-  </dgm:styleLbl>
-  <dgm:styleLbl name="solidAlignAcc1">
-    <dgm:scene3d>
-      <a:camera prst="orthographicFront"/>
-      <a:lightRig rig="chilly" dir="t"/>
-    </dgm:scene3d>
-    <dgm:sp3d extrusionH="1700" prstMaterial="dkEdge">
-      <a:bevelT w="25400" h="6350" prst="softRound"/>
-      <a:bevelB w="0" h="0" prst="convex"/>
-    </dgm:sp3d>
-    <dgm:txPr/>
-    <dgm:style>
-      <a:lnRef idx="1">
-        <a:scrgbClr r="0" g="0" b="0"/>
-      </a:lnRef>
-      <a:fillRef idx="1">
-        <a:scrgbClr r="0" g="0" b="0"/>
-      </a:fillRef>
-      <a:effectRef idx="0">
-        <a:scrgbClr r="0" g="0" b="0"/>
-      </a:effectRef>
-      <a:fontRef idx="minor"/>
-    </dgm:style>
-  </dgm:styleLbl>
-  <dgm:styleLbl name="solidBgAcc1">
-    <dgm:scene3d>
-      <a:camera prst="orthographicFront"/>
-      <a:lightRig rig="chilly" dir="t"/>
-    </dgm:scene3d>
-    <dgm:sp3d z="-12700" extrusionH="1700" prstMaterial="dkEdge">
-      <a:bevelT w="25400" h="6350" prst="softRound"/>
-      <a:bevelB w="0" h="0" prst="convex"/>
-    </dgm:sp3d>
-    <dgm:txPr/>
-    <dgm:style>
-      <a:lnRef idx="1">
-        <a:scrgbClr r="0" g="0" b="0"/>
-      </a:lnRef>
-      <a:fillRef idx="1">
-        <a:scrgbClr r="0" g="0" b="0"/>
-      </a:fillRef>
-      <a:effectRef idx="0">
-        <a:scrgbClr r="0" g="0" b="0"/>
-      </a:effectRef>
-      <a:fontRef idx="minor"/>
-    </dgm:style>
-  </dgm:styleLbl>
-  <dgm:styleLbl name="fgAccFollowNode1">
-    <dgm:scene3d>
-      <a:camera prst="orthographicFront"/>
-      <a:lightRig rig="chilly" dir="t"/>
-    </dgm:scene3d>
-    <dgm:sp3d z="12700" extrusionH="1700" prstMaterial="dkEdge">
-      <a:bevelT w="25400" h="6350" prst="softRound"/>
-      <a:bevelB w="0" h="0" prst="convex"/>
-    </dgm:sp3d>
-    <dgm:txPr/>
-    <dgm:style>
-      <a:lnRef idx="1">
-        <a:scrgbClr r="0" g="0" b="0"/>
-      </a:lnRef>
-      <a:fillRef idx="1">
-        <a:scrgbClr r="0" g="0" b="0"/>
-      </a:fillRef>
-      <a:effectRef idx="0">
-        <a:scrgbClr r="0" g="0" b="0"/>
-      </a:effectRef>
-      <a:fontRef idx="minor"/>
-    </dgm:style>
-  </dgm:styleLbl>
-  <dgm:styleLbl name="alignAccFollowNode1">
-    <dgm:scene3d>
-      <a:camera prst="orthographicFront"/>
-      <a:lightRig rig="chilly" dir="t"/>
-    </dgm:scene3d>
-    <dgm:sp3d extrusionH="1700" prstMaterial="dkEdge">
-      <a:bevelT w="25400" h="6350" prst="softRound"/>
-      <a:bevelB w="0" h="0" prst="convex"/>
-    </dgm:sp3d>
-    <dgm:txPr/>
-    <dgm:style>
-      <a:lnRef idx="1">
-        <a:scrgbClr r="0" g="0" b="0"/>
-      </a:lnRef>
-      <a:fillRef idx="1">
-        <a:scrgbClr r="0" g="0" b="0"/>
-      </a:fillRef>
-      <a:effectRef idx="0">
-        <a:scrgbClr r="0" g="0" b="0"/>
-      </a:effectRef>
-      <a:fontRef idx="minor"/>
-    </dgm:style>
-  </dgm:styleLbl>
-  <dgm:styleLbl name="bgAccFollowNode1">
-    <dgm:scene3d>
-      <a:camera prst="orthographicFront"/>
-      <a:lightRig rig="chilly" dir="t"/>
-    </dgm:scene3d>
-    <dgm:sp3d z="-12700" extrusionH="1700" prstMaterial="dkEdge">
-      <a:bevelT w="25400" h="6350" prst="softRound"/>
-      <a:bevelB w="0" h="0" prst="convex"/>
-    </dgm:sp3d>
-    <dgm:txPr/>
-    <dgm:style>
-      <a:lnRef idx="1">
-        <a:scrgbClr r="0" g="0" b="0"/>
-      </a:lnRef>
-      <a:fillRef idx="1">
-        <a:scrgbClr r="0" g="0" b="0"/>
-      </a:fillRef>
-      <a:effectRef idx="0">
-        <a:scrgbClr r="0" g="0" b="0"/>
-      </a:effectRef>
-      <a:fontRef idx="minor"/>
-    </dgm:style>
-  </dgm:styleLbl>
-  <dgm:styleLbl name="fgAcc0">
-    <dgm:scene3d>
-      <a:camera prst="orthographicFront"/>
-      <a:lightRig rig="chilly" dir="t"/>
-    </dgm:scene3d>
-    <dgm:sp3d z="12700" extrusionH="1700" prstMaterial="dkEdge">
-      <a:bevelT w="25400" h="6350" prst="softRound"/>
-      <a:bevelB w="0" h="0" prst="convex"/>
-    </dgm:sp3d>
-    <dgm:txPr/>
-    <dgm:style>
-      <a:lnRef idx="1">
-        <a:scrgbClr r="0" g="0" b="0"/>
-      </a:lnRef>
-      <a:fillRef idx="1">
-        <a:scrgbClr r="0" g="0" b="0"/>
-      </a:fillRef>
-      <a:effectRef idx="0">
-        <a:scrgbClr r="0" g="0" b="0"/>
-      </a:effectRef>
-      <a:fontRef idx="minor"/>
-    </dgm:style>
-  </dgm:styleLbl>
-  <dgm:styleLbl name="fgAcc2">
-    <dgm:scene3d>
-      <a:camera prst="orthographicFront"/>
-      <a:lightRig rig="chilly" dir="t"/>
-    </dgm:scene3d>
-    <dgm:sp3d z="12700" extrusionH="1700" prstMaterial="dkEdge">
-      <a:bevelT w="25400" h="6350" prst="softRound"/>
-      <a:bevelB w="0" h="0" prst="convex"/>
-    </dgm:sp3d>
-    <dgm:txPr/>
-    <dgm:style>
-      <a:lnRef idx="1">
-        <a:scrgbClr r="0" g="0" b="0"/>
-      </a:lnRef>
-      <a:fillRef idx="1">
-        <a:scrgbClr r="0" g="0" b="0"/>
-      </a:fillRef>
-      <a:effectRef idx="0">
-        <a:scrgbClr r="0" g="0" b="0"/>
-      </a:effectRef>
-      <a:fontRef idx="minor"/>
-    </dgm:style>
-  </dgm:styleLbl>
-  <dgm:styleLbl name="fgAcc3">
-    <dgm:scene3d>
-      <a:camera prst="orthographicFront"/>
-      <a:lightRig rig="chilly" dir="t"/>
-    </dgm:scene3d>
-    <dgm:sp3d z="12700" extrusionH="1700" prstMaterial="dkEdge">
-      <a:bevelT w="25400" h="6350" prst="softRound"/>
-      <a:bevelB w="0" h="0" prst="convex"/>
-    </dgm:sp3d>
-    <dgm:txPr/>
-    <dgm:style>
-      <a:lnRef idx="1">
-        <a:scrgbClr r="0" g="0" b="0"/>
-      </a:lnRef>
-      <a:fillRef idx="1">
-        <a:scrgbClr r="0" g="0" b="0"/>
-      </a:fillRef>
-      <a:effectRef idx="0">
-        <a:scrgbClr r="0" g="0" b="0"/>
-      </a:effectRef>
-      <a:fontRef idx="minor"/>
-    </dgm:style>
-  </dgm:styleLbl>
-  <dgm:styleLbl name="fgAcc4">
-    <dgm:scene3d>
-      <a:camera prst="orthographicFront"/>
-      <a:lightRig rig="chilly" dir="t"/>
-    </dgm:scene3d>
-    <dgm:sp3d z="12700" extrusionH="1700" prstMaterial="dkEdge">
-      <a:bevelT w="25400" h="6350" prst="softRound"/>
-      <a:bevelB w="0" h="0" prst="convex"/>
-    </dgm:sp3d>
-    <dgm:txPr/>
-    <dgm:style>
-      <a:lnRef idx="1">
-        <a:scrgbClr r="0" g="0" b="0"/>
-      </a:lnRef>
-      <a:fillRef idx="1">
-        <a:scrgbClr r="0" g="0" b="0"/>
-      </a:fillRef>
-      <a:effectRef idx="0">
-        <a:scrgbClr r="0" g="0" b="0"/>
-      </a:effectRef>
-      <a:fontRef idx="minor"/>
-    </dgm:style>
-  </dgm:styleLbl>
-  <dgm:styleLbl name="bgShp">
-    <dgm:scene3d>
-      <a:camera prst="orthographicFront"/>
-      <a:lightRig rig="chilly" dir="t"/>
-    </dgm:scene3d>
-    <dgm:sp3d z="-12700" extrusionH="1700" prstMaterial="translucentPowder">
-      <a:bevelT w="25400" h="6350" prst="softRound"/>
-      <a:bevelB w="0" h="0" prst="convex"/>
+    <dgm:sp3d z="300000" contourW="19050" prstMaterial="metal">
+      <a:bevelT w="88900" h="203200"/>
+      <a:bevelB w="165100" h="254000"/>
     </dgm:sp3d>
     <dgm:txPr/>
     <dgm:style>
@@ -2896,14 +2378,18 @@
       <a:fontRef idx="minor"/>
     </dgm:style>
   </dgm:styleLbl>
-  <dgm:styleLbl name="dkBgShp">
+  <dgm:styleLbl name="conFgAcc1">
     <dgm:scene3d>
-      <a:camera prst="orthographicFront"/>
-      <a:lightRig rig="chilly" dir="t"/>
+      <a:camera prst="orthographicFront">
+        <a:rot lat="0" lon="0" rev="0"/>
+      </a:camera>
+      <a:lightRig rig="contrasting" dir="t">
+        <a:rot lat="0" lon="0" rev="1200000"/>
+      </a:lightRig>
     </dgm:scene3d>
-    <dgm:sp3d extrusionH="1700" prstMaterial="translucentPowder">
-      <a:bevelT w="25400" h="6350" prst="softRound"/>
-      <a:bevelB w="0" h="0" prst="convex"/>
+    <dgm:sp3d z="300000" contourW="19050" prstMaterial="metal">
+      <a:bevelT w="88900" h="203200"/>
+      <a:bevelB w="165100" h="254000"/>
     </dgm:sp3d>
     <dgm:txPr/>
     <dgm:style>
@@ -2919,15 +2405,421 @@
       <a:fontRef idx="minor"/>
     </dgm:style>
   </dgm:styleLbl>
+  <dgm:styleLbl name="alignAcc1">
+    <dgm:scene3d>
+      <a:camera prst="orthographicFront">
+        <a:rot lat="0" lon="0" rev="0"/>
+      </a:camera>
+      <a:lightRig rig="contrasting" dir="t">
+        <a:rot lat="0" lon="0" rev="1200000"/>
+      </a:lightRig>
+    </dgm:scene3d>
+    <dgm:sp3d contourW="19050" prstMaterial="metal">
+      <a:bevelT w="88900" h="203200"/>
+      <a:bevelB w="165100" h="254000"/>
+    </dgm:sp3d>
+    <dgm:txPr/>
+    <dgm:style>
+      <a:lnRef idx="0">
+        <a:scrgbClr r="0" g="0" b="0"/>
+      </a:lnRef>
+      <a:fillRef idx="1">
+        <a:scrgbClr r="0" g="0" b="0"/>
+      </a:fillRef>
+      <a:effectRef idx="0">
+        <a:scrgbClr r="0" g="0" b="0"/>
+      </a:effectRef>
+      <a:fontRef idx="minor"/>
+    </dgm:style>
+  </dgm:styleLbl>
+  <dgm:styleLbl name="trAlignAcc1">
+    <dgm:scene3d>
+      <a:camera prst="orthographicFront">
+        <a:rot lat="0" lon="0" rev="0"/>
+      </a:camera>
+      <a:lightRig rig="contrasting" dir="t">
+        <a:rot lat="0" lon="0" rev="1200000"/>
+      </a:lightRig>
+    </dgm:scene3d>
+    <dgm:sp3d contourW="19050" prstMaterial="metal">
+      <a:bevelT w="88900" h="203200"/>
+      <a:bevelB w="165100" h="254000"/>
+    </dgm:sp3d>
+    <dgm:txPr/>
+    <dgm:style>
+      <a:lnRef idx="0">
+        <a:scrgbClr r="0" g="0" b="0"/>
+      </a:lnRef>
+      <a:fillRef idx="1">
+        <a:scrgbClr r="0" g="0" b="0"/>
+      </a:fillRef>
+      <a:effectRef idx="1">
+        <a:scrgbClr r="0" g="0" b="0"/>
+      </a:effectRef>
+      <a:fontRef idx="minor"/>
+    </dgm:style>
+  </dgm:styleLbl>
+  <dgm:styleLbl name="bgAcc1">
+    <dgm:scene3d>
+      <a:camera prst="orthographicFront">
+        <a:rot lat="0" lon="0" rev="0"/>
+      </a:camera>
+      <a:lightRig rig="contrasting" dir="t">
+        <a:rot lat="0" lon="0" rev="1200000"/>
+      </a:lightRig>
+    </dgm:scene3d>
+    <dgm:sp3d z="-300000" contourW="19050" prstMaterial="metal">
+      <a:bevelT w="88900" h="203200"/>
+      <a:bevelB w="165100" h="254000"/>
+    </dgm:sp3d>
+    <dgm:txPr/>
+    <dgm:style>
+      <a:lnRef idx="0">
+        <a:scrgbClr r="0" g="0" b="0"/>
+      </a:lnRef>
+      <a:fillRef idx="1">
+        <a:scrgbClr r="0" g="0" b="0"/>
+      </a:fillRef>
+      <a:effectRef idx="0">
+        <a:scrgbClr r="0" g="0" b="0"/>
+      </a:effectRef>
+      <a:fontRef idx="minor"/>
+    </dgm:style>
+  </dgm:styleLbl>
+  <dgm:styleLbl name="solidFgAcc1">
+    <dgm:scene3d>
+      <a:camera prst="orthographicFront">
+        <a:rot lat="0" lon="0" rev="0"/>
+      </a:camera>
+      <a:lightRig rig="contrasting" dir="t">
+        <a:rot lat="0" lon="0" rev="1200000"/>
+      </a:lightRig>
+    </dgm:scene3d>
+    <dgm:sp3d z="300000" contourW="12700" prstMaterial="flat">
+      <a:bevelT w="177800" h="254000"/>
+      <a:bevelB w="152400"/>
+    </dgm:sp3d>
+    <dgm:txPr/>
+    <dgm:style>
+      <a:lnRef idx="0">
+        <a:scrgbClr r="0" g="0" b="0"/>
+      </a:lnRef>
+      <a:fillRef idx="1">
+        <a:scrgbClr r="0" g="0" b="0"/>
+      </a:fillRef>
+      <a:effectRef idx="0">
+        <a:scrgbClr r="0" g="0" b="0"/>
+      </a:effectRef>
+      <a:fontRef idx="minor"/>
+    </dgm:style>
+  </dgm:styleLbl>
+  <dgm:styleLbl name="solidAlignAcc1">
+    <dgm:scene3d>
+      <a:camera prst="orthographicFront">
+        <a:rot lat="0" lon="0" rev="0"/>
+      </a:camera>
+      <a:lightRig rig="contrasting" dir="t">
+        <a:rot lat="0" lon="0" rev="1200000"/>
+      </a:lightRig>
+    </dgm:scene3d>
+    <dgm:sp3d contourW="19050" prstMaterial="metal">
+      <a:bevelT w="88900" h="203200"/>
+      <a:bevelB w="165100" h="254000"/>
+    </dgm:sp3d>
+    <dgm:txPr/>
+    <dgm:style>
+      <a:lnRef idx="0">
+        <a:scrgbClr r="0" g="0" b="0"/>
+      </a:lnRef>
+      <a:fillRef idx="1">
+        <a:scrgbClr r="0" g="0" b="0"/>
+      </a:fillRef>
+      <a:effectRef idx="0">
+        <a:scrgbClr r="0" g="0" b="0"/>
+      </a:effectRef>
+      <a:fontRef idx="minor"/>
+    </dgm:style>
+  </dgm:styleLbl>
+  <dgm:styleLbl name="solidBgAcc1">
+    <dgm:scene3d>
+      <a:camera prst="orthographicFront">
+        <a:rot lat="0" lon="0" rev="0"/>
+      </a:camera>
+      <a:lightRig rig="contrasting" dir="t">
+        <a:rot lat="0" lon="0" rev="1200000"/>
+      </a:lightRig>
+    </dgm:scene3d>
+    <dgm:sp3d z="-300000" contourW="19050" prstMaterial="metal">
+      <a:bevelT w="88900" h="203200"/>
+      <a:bevelB w="165100" h="254000"/>
+    </dgm:sp3d>
+    <dgm:txPr/>
+    <dgm:style>
+      <a:lnRef idx="0">
+        <a:scrgbClr r="0" g="0" b="0"/>
+      </a:lnRef>
+      <a:fillRef idx="1">
+        <a:scrgbClr r="0" g="0" b="0"/>
+      </a:fillRef>
+      <a:effectRef idx="0">
+        <a:scrgbClr r="0" g="0" b="0"/>
+      </a:effectRef>
+      <a:fontRef idx="minor"/>
+    </dgm:style>
+  </dgm:styleLbl>
+  <dgm:styleLbl name="fgAccFollowNode1">
+    <dgm:scene3d>
+      <a:camera prst="orthographicFront">
+        <a:rot lat="0" lon="0" rev="0"/>
+      </a:camera>
+      <a:lightRig rig="contrasting" dir="t">
+        <a:rot lat="0" lon="0" rev="1200000"/>
+      </a:lightRig>
+    </dgm:scene3d>
+    <dgm:sp3d z="300000" contourW="19050" prstMaterial="metal">
+      <a:bevelT w="88900" h="203200"/>
+      <a:bevelB w="165100" h="254000"/>
+    </dgm:sp3d>
+    <dgm:txPr/>
+    <dgm:style>
+      <a:lnRef idx="0">
+        <a:scrgbClr r="0" g="0" b="0"/>
+      </a:lnRef>
+      <a:fillRef idx="1">
+        <a:scrgbClr r="0" g="0" b="0"/>
+      </a:fillRef>
+      <a:effectRef idx="0">
+        <a:scrgbClr r="0" g="0" b="0"/>
+      </a:effectRef>
+      <a:fontRef idx="minor"/>
+    </dgm:style>
+  </dgm:styleLbl>
+  <dgm:styleLbl name="alignAccFollowNode1">
+    <dgm:scene3d>
+      <a:camera prst="orthographicFront">
+        <a:rot lat="0" lon="0" rev="0"/>
+      </a:camera>
+      <a:lightRig rig="contrasting" dir="t">
+        <a:rot lat="0" lon="0" rev="1200000"/>
+      </a:lightRig>
+    </dgm:scene3d>
+    <dgm:sp3d contourW="19050" prstMaterial="metal">
+      <a:bevelT w="88900" h="203200"/>
+      <a:bevelB w="165100" h="254000"/>
+    </dgm:sp3d>
+    <dgm:txPr/>
+    <dgm:style>
+      <a:lnRef idx="0">
+        <a:scrgbClr r="0" g="0" b="0"/>
+      </a:lnRef>
+      <a:fillRef idx="1">
+        <a:scrgbClr r="0" g="0" b="0"/>
+      </a:fillRef>
+      <a:effectRef idx="0">
+        <a:scrgbClr r="0" g="0" b="0"/>
+      </a:effectRef>
+      <a:fontRef idx="minor"/>
+    </dgm:style>
+  </dgm:styleLbl>
+  <dgm:styleLbl name="bgAccFollowNode1">
+    <dgm:scene3d>
+      <a:camera prst="orthographicFront">
+        <a:rot lat="0" lon="0" rev="0"/>
+      </a:camera>
+      <a:lightRig rig="contrasting" dir="t">
+        <a:rot lat="0" lon="0" rev="1200000"/>
+      </a:lightRig>
+    </dgm:scene3d>
+    <dgm:sp3d z="-300000" contourW="19050" prstMaterial="metal">
+      <a:bevelT w="88900" h="203200"/>
+      <a:bevelB w="165100" h="254000"/>
+    </dgm:sp3d>
+    <dgm:txPr/>
+    <dgm:style>
+      <a:lnRef idx="0">
+        <a:scrgbClr r="0" g="0" b="0"/>
+      </a:lnRef>
+      <a:fillRef idx="1">
+        <a:scrgbClr r="0" g="0" b="0"/>
+      </a:fillRef>
+      <a:effectRef idx="0">
+        <a:scrgbClr r="0" g="0" b="0"/>
+      </a:effectRef>
+      <a:fontRef idx="minor"/>
+    </dgm:style>
+  </dgm:styleLbl>
+  <dgm:styleLbl name="fgAcc0">
+    <dgm:scene3d>
+      <a:camera prst="orthographicFront">
+        <a:rot lat="0" lon="0" rev="0"/>
+      </a:camera>
+      <a:lightRig rig="contrasting" dir="t">
+        <a:rot lat="0" lon="0" rev="1200000"/>
+      </a:lightRig>
+    </dgm:scene3d>
+    <dgm:sp3d z="300000" contourW="19050" prstMaterial="metal">
+      <a:bevelT w="88900" h="203200"/>
+      <a:bevelB w="165100" h="254000"/>
+    </dgm:sp3d>
+    <dgm:txPr/>
+    <dgm:style>
+      <a:lnRef idx="0">
+        <a:scrgbClr r="0" g="0" b="0"/>
+      </a:lnRef>
+      <a:fillRef idx="1">
+        <a:scrgbClr r="0" g="0" b="0"/>
+      </a:fillRef>
+      <a:effectRef idx="0">
+        <a:scrgbClr r="0" g="0" b="0"/>
+      </a:effectRef>
+      <a:fontRef idx="minor"/>
+    </dgm:style>
+  </dgm:styleLbl>
+  <dgm:styleLbl name="fgAcc2">
+    <dgm:scene3d>
+      <a:camera prst="orthographicFront">
+        <a:rot lat="0" lon="0" rev="0"/>
+      </a:camera>
+      <a:lightRig rig="contrasting" dir="t">
+        <a:rot lat="0" lon="0" rev="1200000"/>
+      </a:lightRig>
+    </dgm:scene3d>
+    <dgm:sp3d z="300000" contourW="19050" prstMaterial="metal">
+      <a:bevelT w="88900" h="203200"/>
+      <a:bevelB w="165100" h="254000"/>
+    </dgm:sp3d>
+    <dgm:txPr/>
+    <dgm:style>
+      <a:lnRef idx="0">
+        <a:scrgbClr r="0" g="0" b="0"/>
+      </a:lnRef>
+      <a:fillRef idx="1">
+        <a:scrgbClr r="0" g="0" b="0"/>
+      </a:fillRef>
+      <a:effectRef idx="0">
+        <a:scrgbClr r="0" g="0" b="0"/>
+      </a:effectRef>
+      <a:fontRef idx="minor"/>
+    </dgm:style>
+  </dgm:styleLbl>
+  <dgm:styleLbl name="fgAcc3">
+    <dgm:scene3d>
+      <a:camera prst="orthographicFront">
+        <a:rot lat="0" lon="0" rev="0"/>
+      </a:camera>
+      <a:lightRig rig="contrasting" dir="t">
+        <a:rot lat="0" lon="0" rev="1200000"/>
+      </a:lightRig>
+    </dgm:scene3d>
+    <dgm:sp3d z="300000" contourW="19050" prstMaterial="metal">
+      <a:bevelT w="88900" h="203200"/>
+      <a:bevelB w="165100" h="254000"/>
+    </dgm:sp3d>
+    <dgm:txPr/>
+    <dgm:style>
+      <a:lnRef idx="0">
+        <a:scrgbClr r="0" g="0" b="0"/>
+      </a:lnRef>
+      <a:fillRef idx="1">
+        <a:scrgbClr r="0" g="0" b="0"/>
+      </a:fillRef>
+      <a:effectRef idx="0">
+        <a:scrgbClr r="0" g="0" b="0"/>
+      </a:effectRef>
+      <a:fontRef idx="minor"/>
+    </dgm:style>
+  </dgm:styleLbl>
+  <dgm:styleLbl name="fgAcc4">
+    <dgm:scene3d>
+      <a:camera prst="orthographicFront">
+        <a:rot lat="0" lon="0" rev="0"/>
+      </a:camera>
+      <a:lightRig rig="contrasting" dir="t">
+        <a:rot lat="0" lon="0" rev="1200000"/>
+      </a:lightRig>
+    </dgm:scene3d>
+    <dgm:sp3d z="300000" contourW="19050" prstMaterial="metal">
+      <a:bevelT w="88900" h="203200"/>
+      <a:bevelB w="165100" h="254000"/>
+    </dgm:sp3d>
+    <dgm:txPr/>
+    <dgm:style>
+      <a:lnRef idx="0">
+        <a:scrgbClr r="0" g="0" b="0"/>
+      </a:lnRef>
+      <a:fillRef idx="1">
+        <a:scrgbClr r="0" g="0" b="0"/>
+      </a:fillRef>
+      <a:effectRef idx="0">
+        <a:scrgbClr r="0" g="0" b="0"/>
+      </a:effectRef>
+      <a:fontRef idx="minor"/>
+    </dgm:style>
+  </dgm:styleLbl>
+  <dgm:styleLbl name="bgShp">
+    <dgm:scene3d>
+      <a:camera prst="orthographicFront">
+        <a:rot lat="0" lon="0" rev="0"/>
+      </a:camera>
+      <a:lightRig rig="contrasting" dir="t">
+        <a:rot lat="0" lon="0" rev="1200000"/>
+      </a:lightRig>
+    </dgm:scene3d>
+    <dgm:sp3d z="-300000" prstMaterial="plastic"/>
+    <dgm:txPr/>
+    <dgm:style>
+      <a:lnRef idx="1">
+        <a:scrgbClr r="0" g="0" b="0"/>
+      </a:lnRef>
+      <a:fillRef idx="1">
+        <a:scrgbClr r="0" g="0" b="0"/>
+      </a:fillRef>
+      <a:effectRef idx="0">
+        <a:scrgbClr r="0" g="0" b="0"/>
+      </a:effectRef>
+      <a:fontRef idx="minor"/>
+    </dgm:style>
+  </dgm:styleLbl>
+  <dgm:styleLbl name="dkBgShp">
+    <dgm:scene3d>
+      <a:camera prst="orthographicFront">
+        <a:rot lat="0" lon="0" rev="0"/>
+      </a:camera>
+      <a:lightRig rig="contrasting" dir="t">
+        <a:rot lat="0" lon="0" rev="1200000"/>
+      </a:lightRig>
+    </dgm:scene3d>
+    <dgm:sp3d contourW="12700" prstMaterial="flat">
+      <a:bevelT w="100800" h="154000"/>
+      <a:bevelB w="152400"/>
+    </dgm:sp3d>
+    <dgm:txPr/>
+    <dgm:style>
+      <a:lnRef idx="0">
+        <a:scrgbClr r="0" g="0" b="0"/>
+      </a:lnRef>
+      <a:fillRef idx="1">
+        <a:scrgbClr r="0" g="0" b="0"/>
+      </a:fillRef>
+      <a:effectRef idx="0">
+        <a:scrgbClr r="0" g="0" b="0"/>
+      </a:effectRef>
+      <a:fontRef idx="minor"/>
+    </dgm:style>
+  </dgm:styleLbl>
   <dgm:styleLbl name="trBgShp">
     <dgm:scene3d>
-      <a:camera prst="orthographicFront"/>
-      <a:lightRig rig="chilly" dir="t"/>
+      <a:camera prst="orthographicFront">
+        <a:rot lat="0" lon="0" rev="0"/>
+      </a:camera>
+      <a:lightRig rig="contrasting" dir="t">
+        <a:rot lat="0" lon="0" rev="1200000"/>
+      </a:lightRig>
     </dgm:scene3d>
     <dgm:sp3d z="-152400" prstMaterial="matte"/>
     <dgm:txPr/>
     <dgm:style>
-      <a:lnRef idx="0">
+      <a:lnRef idx="1">
         <a:scrgbClr r="0" g="0" b="0"/>
       </a:lnRef>
       <a:fillRef idx="1">
@@ -2941,12 +2833,16 @@
   </dgm:styleLbl>
   <dgm:styleLbl name="fgShp">
     <dgm:scene3d>
-      <a:camera prst="orthographicFront"/>
-      <a:lightRig rig="chilly" dir="t"/>
+      <a:camera prst="orthographicFront">
+        <a:rot lat="0" lon="0" rev="0"/>
+      </a:camera>
+      <a:lightRig rig="contrasting" dir="t">
+        <a:rot lat="0" lon="0" rev="1200000"/>
+      </a:lightRig>
     </dgm:scene3d>
-    <dgm:sp3d z="12700" extrusionH="1700" prstMaterial="translucentPowder">
-      <a:bevelT w="25400" h="6350" prst="softRound"/>
-      <a:bevelB w="0" h="0" prst="convex"/>
+    <dgm:sp3d z="300000" contourW="19050" prstMaterial="metal">
+      <a:bevelT w="88900" h="203200"/>
+      <a:bevelB w="165100" h="254000"/>
     </dgm:sp3d>
     <dgm:txPr/>
     <dgm:style>
@@ -2970,7 +2866,7 @@
     <dgm:sp3d/>
     <dgm:txPr/>
     <dgm:style>
-      <a:lnRef idx="0">
+      <a:lnRef idx="1">
         <a:scrgbClr r="0" g="0" b="0"/>
       </a:lnRef>
       <a:fillRef idx="0">
@@ -6733,8 +6629,8 @@
   <p:clrMapOvr>
     <a:masterClrMapping/>
   </p:clrMapOvr>
-  <mc:AlternateContent xmlns:mc="http://schemas.openxmlformats.org/markup-compatibility/2006">
-    <mc:Choice xmlns:p15="http://schemas.microsoft.com/office/powerpoint/2012/main" Requires="p15">
+  <mc:AlternateContent xmlns:mc="http://schemas.openxmlformats.org/markup-compatibility/2006" xmlns:p15="http://schemas.microsoft.com/office/powerpoint/2012/main">
+    <mc:Choice Requires="p15">
       <p:transition xmlns:p14="http://schemas.microsoft.com/office/powerpoint/2010/main" spd="slow" p14:dur="2000">
         <p15:prstTrans prst="prestige"/>
         <p:sndAc>
@@ -6744,12 +6640,12 @@
         </p:sndAc>
       </p:transition>
     </mc:Choice>
-    <mc:Fallback>
+    <mc:Fallback xmlns="">
       <p:transition spd="slow">
         <p:fade/>
         <p:sndAc>
           <p:stSnd>
-            <p:snd r:embed="rId2" name="drumroll.wav"/>
+            <p:snd r:embed="rId3" name="drumroll.wav"/>
           </p:stSnd>
         </p:sndAc>
       </p:transition>
@@ -6873,13 +6769,13 @@
   <p:clrMapOvr>
     <a:masterClrMapping/>
   </p:clrMapOvr>
-  <mc:AlternateContent xmlns:mc="http://schemas.openxmlformats.org/markup-compatibility/2006">
-    <mc:Choice xmlns:p15="http://schemas.microsoft.com/office/powerpoint/2012/main" Requires="p15">
+  <mc:AlternateContent xmlns:mc="http://schemas.openxmlformats.org/markup-compatibility/2006" xmlns:p15="http://schemas.microsoft.com/office/powerpoint/2012/main">
+    <mc:Choice Requires="p15">
       <p:transition xmlns:p14="http://schemas.microsoft.com/office/powerpoint/2010/main" spd="slow" p14:dur="2000">
         <p15:prstTrans prst="drape"/>
       </p:transition>
     </mc:Choice>
-    <mc:Fallback>
+    <mc:Fallback xmlns="">
       <p:transition spd="slow">
         <p:fade/>
       </p:transition>
@@ -6955,13 +6851,13 @@
             <p:ph idx="1"/>
             <p:extLst>
               <p:ext uri="{D42A27DB-BD31-4B8C-83A1-F6EECF244321}">
-                <p14:modId xmlns:p14="http://schemas.microsoft.com/office/powerpoint/2010/main" val="3090118498"/>
+                <p14:modId xmlns:p14="http://schemas.microsoft.com/office/powerpoint/2010/main" val="1896666704"/>
               </p:ext>
             </p:extLst>
           </p:nvPr>
         </p:nvGraphicFramePr>
         <p:xfrm>
-          <a:off x="659396" y="1916832"/>
+          <a:off x="659396" y="1293876"/>
           <a:ext cx="10873208" cy="5141168"/>
         </p:xfrm>
         <a:graphic>
@@ -6980,13 +6876,13 @@
   <p:clrMapOvr>
     <a:masterClrMapping/>
   </p:clrMapOvr>
-  <mc:AlternateContent xmlns:mc="http://schemas.openxmlformats.org/markup-compatibility/2006">
-    <mc:Choice xmlns:p14="http://schemas.microsoft.com/office/powerpoint/2010/main" Requires="p14">
+  <mc:AlternateContent xmlns:mc="http://schemas.openxmlformats.org/markup-compatibility/2006" xmlns:p14="http://schemas.microsoft.com/office/powerpoint/2010/main">
+    <mc:Choice Requires="p14">
       <p:transition spd="slow" p14:dur="1600">
         <p14:conveyor dir="l"/>
       </p:transition>
     </mc:Choice>
-    <mc:Fallback>
+    <mc:Fallback xmlns="">
       <p:transition spd="slow">
         <p:fade/>
       </p:transition>
@@ -7067,7 +6963,7 @@
             </a:pPr>
             <a:r>
               <a:rPr lang="en-US" dirty="0"/>
-              <a:t>The following measures make it hard for others to read the passwords of the admin and for unauthorized users to gain admin permissions.</a:t>
+              <a:t>The following measures make it hard for others to read the passwords of the admin and for unauthorized users to gain admin permissions and for people to break the flow of the page.</a:t>
             </a:r>
           </a:p>
           <a:p>
@@ -7109,7 +7005,26 @@
               <a:rPr lang="en-US" dirty="0"/>
               <a:t>No passwords appearing on the page</a:t>
             </a:r>
-            <a:endParaRPr lang="en-IN" dirty="0"/>
+          </a:p>
+          <a:p>
+            <a:pPr>
+              <a:buFont typeface="Wingdings" panose="05000000000000000000" pitchFamily="2" charset="2"/>
+              <a:buChar char="ü"/>
+            </a:pPr>
+            <a:r>
+              <a:rPr lang="en-IN" dirty="0"/>
+              <a:t>Parameterized queries in SQL to avoid SQL injection</a:t>
+            </a:r>
+          </a:p>
+          <a:p>
+            <a:pPr>
+              <a:buFont typeface="Wingdings" panose="05000000000000000000" pitchFamily="2" charset="2"/>
+              <a:buChar char="ü"/>
+            </a:pPr>
+            <a:r>
+              <a:rPr lang="en-IN" dirty="0"/>
+              <a:t>No chance of running user-entered HTML</a:t>
+            </a:r>
           </a:p>
         </p:txBody>
       </p:sp>
@@ -7123,13 +7038,13 @@
   <p:clrMapOvr>
     <a:masterClrMapping/>
   </p:clrMapOvr>
-  <mc:AlternateContent xmlns:mc="http://schemas.openxmlformats.org/markup-compatibility/2006">
-    <mc:Choice xmlns:p15="http://schemas.microsoft.com/office/powerpoint/2012/main" Requires="p15">
+  <mc:AlternateContent xmlns:mc="http://schemas.openxmlformats.org/markup-compatibility/2006" xmlns:p15="http://schemas.microsoft.com/office/powerpoint/2012/main">
+    <mc:Choice Requires="p15">
       <p:transition xmlns:p14="http://schemas.microsoft.com/office/powerpoint/2010/main" spd="slow" p14:dur="2000">
         <p15:prstTrans prst="fallOver"/>
       </p:transition>
     </mc:Choice>
-    <mc:Fallback>
+    <mc:Fallback xmlns="">
       <p:transition spd="slow">
         <p:fade/>
       </p:transition>
@@ -7275,8 +7190,8 @@
   <p:clrMapOvr>
     <a:masterClrMapping/>
   </p:clrMapOvr>
-  <mc:AlternateContent xmlns:mc="http://schemas.openxmlformats.org/markup-compatibility/2006">
-    <mc:Choice xmlns:p15="http://schemas.microsoft.com/office/powerpoint/2012/main" Requires="p15">
+  <mc:AlternateContent xmlns:mc="http://schemas.openxmlformats.org/markup-compatibility/2006" xmlns:p15="http://schemas.microsoft.com/office/powerpoint/2012/main">
+    <mc:Choice Requires="p15">
       <p:transition xmlns:p14="http://schemas.microsoft.com/office/powerpoint/2010/main" spd="slow" p14:dur="1250">
         <p15:prstTrans prst="airplane"/>
         <p:sndAc>
@@ -7286,12 +7201,12 @@
         </p:sndAc>
       </p:transition>
     </mc:Choice>
-    <mc:Fallback>
+    <mc:Fallback xmlns="">
       <p:transition spd="slow">
         <p:fade/>
         <p:sndAc>
           <p:stSnd>
-            <p:snd r:embed="rId2" name="whoosh.wav"/>
+            <p:snd r:embed="rId3" name="whoosh.wav"/>
           </p:stSnd>
         </p:sndAc>
       </p:transition>
@@ -7477,13 +7392,13 @@
   <p:clrMapOvr>
     <a:masterClrMapping/>
   </p:clrMapOvr>
-  <mc:AlternateContent xmlns:mc="http://schemas.openxmlformats.org/markup-compatibility/2006">
-    <mc:Choice xmlns:p14="http://schemas.microsoft.com/office/powerpoint/2010/main" Requires="p14">
+  <mc:AlternateContent xmlns:mc="http://schemas.openxmlformats.org/markup-compatibility/2006" xmlns:p14="http://schemas.microsoft.com/office/powerpoint/2010/main">
+    <mc:Choice Requires="p14">
       <p:transition spd="slow" p14:dur="1250">
         <p14:switch dir="r"/>
       </p:transition>
     </mc:Choice>
-    <mc:Fallback>
+    <mc:Fallback xmlns="">
       <p:transition spd="slow">
         <p:fade/>
       </p:transition>
@@ -7588,13 +7503,13 @@
   <p:clrMapOvr>
     <a:masterClrMapping/>
   </p:clrMapOvr>
-  <mc:AlternateContent xmlns:mc="http://schemas.openxmlformats.org/markup-compatibility/2006">
-    <mc:Choice xmlns:p15="http://schemas.microsoft.com/office/powerpoint/2012/main" Requires="p15">
+  <mc:AlternateContent xmlns:mc="http://schemas.openxmlformats.org/markup-compatibility/2006" xmlns:p15="http://schemas.microsoft.com/office/powerpoint/2012/main">
+    <mc:Choice Requires="p15">
       <p:transition xmlns:p14="http://schemas.microsoft.com/office/powerpoint/2010/main" spd="slow" p14:dur="2000">
         <p15:prstTrans prst="crush"/>
       </p:transition>
     </mc:Choice>
-    <mc:Fallback>
+    <mc:Fallback xmlns="">
       <p:transition spd="slow">
         <p:fade/>
       </p:transition>
@@ -7771,13 +7686,13 @@
   <p:clrMapOvr>
     <a:masterClrMapping/>
   </p:clrMapOvr>
-  <mc:AlternateContent xmlns:mc="http://schemas.openxmlformats.org/markup-compatibility/2006">
-    <mc:Choice xmlns:p15="http://schemas.microsoft.com/office/powerpoint/2012/main" Requires="p15">
+  <mc:AlternateContent xmlns:mc="http://schemas.openxmlformats.org/markup-compatibility/2006" xmlns:p15="http://schemas.microsoft.com/office/powerpoint/2012/main">
+    <mc:Choice Requires="p15">
       <p:transition xmlns:p14="http://schemas.microsoft.com/office/powerpoint/2010/main" spd="slow" p14:dur="1250">
         <p15:prstTrans prst="pageCurlDouble"/>
       </p:transition>
     </mc:Choice>
-    <mc:Fallback>
+    <mc:Fallback xmlns="">
       <p:transition spd="slow">
         <p:fade/>
       </p:transition>
